--- a/Draft PPT MPPL E.pptx
+++ b/Draft PPT MPPL E.pptx
@@ -8,11 +8,15 @@
     <p:sldId id="256" r:id="rId2"/>
     <p:sldId id="257" r:id="rId3"/>
     <p:sldId id="258" r:id="rId4"/>
-    <p:sldId id="259" r:id="rId5"/>
-    <p:sldId id="260" r:id="rId6"/>
-    <p:sldId id="261" r:id="rId7"/>
-    <p:sldId id="262" r:id="rId8"/>
-    <p:sldId id="263" r:id="rId9"/>
+    <p:sldId id="264" r:id="rId5"/>
+    <p:sldId id="259" r:id="rId6"/>
+    <p:sldId id="267" r:id="rId7"/>
+    <p:sldId id="260" r:id="rId8"/>
+    <p:sldId id="261" r:id="rId9"/>
+    <p:sldId id="268" r:id="rId10"/>
+    <p:sldId id="265" r:id="rId11"/>
+    <p:sldId id="266" r:id="rId12"/>
+    <p:sldId id="262" r:id="rId13"/>
   </p:sldIdLst>
   <p:sldSz cx="9144000" cy="6858000" type="screen4x3"/>
   <p:notesSz cx="6858000" cy="9144000"/>
@@ -295,7 +299,7 @@
           <a:p>
             <a:fld id="{D98E9ECA-7275-4592-804C-A47C0FF8C144}" type="datetimeFigureOut">
               <a:rPr lang="en-US" smtClean="0"/>
-              <a:t>22-Feb-15</a:t>
+              <a:t>2/27/2015</a:t>
             </a:fld>
             <a:endParaRPr lang="en-US"/>
           </a:p>
@@ -465,7 +469,7 @@
           <a:p>
             <a:fld id="{D98E9ECA-7275-4592-804C-A47C0FF8C144}" type="datetimeFigureOut">
               <a:rPr lang="en-US" smtClean="0"/>
-              <a:t>22-Feb-15</a:t>
+              <a:t>2/27/2015</a:t>
             </a:fld>
             <a:endParaRPr lang="en-US"/>
           </a:p>
@@ -645,7 +649,7 @@
           <a:p>
             <a:fld id="{D98E9ECA-7275-4592-804C-A47C0FF8C144}" type="datetimeFigureOut">
               <a:rPr lang="en-US" smtClean="0"/>
-              <a:t>22-Feb-15</a:t>
+              <a:t>2/27/2015</a:t>
             </a:fld>
             <a:endParaRPr lang="en-US"/>
           </a:p>
@@ -815,7 +819,7 @@
           <a:p>
             <a:fld id="{D98E9ECA-7275-4592-804C-A47C0FF8C144}" type="datetimeFigureOut">
               <a:rPr lang="en-US" smtClean="0"/>
-              <a:t>22-Feb-15</a:t>
+              <a:t>2/27/2015</a:t>
             </a:fld>
             <a:endParaRPr lang="en-US"/>
           </a:p>
@@ -1061,7 +1065,7 @@
           <a:p>
             <a:fld id="{D98E9ECA-7275-4592-804C-A47C0FF8C144}" type="datetimeFigureOut">
               <a:rPr lang="en-US" smtClean="0"/>
-              <a:t>22-Feb-15</a:t>
+              <a:t>2/27/2015</a:t>
             </a:fld>
             <a:endParaRPr lang="en-US"/>
           </a:p>
@@ -1349,7 +1353,7 @@
           <a:p>
             <a:fld id="{D98E9ECA-7275-4592-804C-A47C0FF8C144}" type="datetimeFigureOut">
               <a:rPr lang="en-US" smtClean="0"/>
-              <a:t>22-Feb-15</a:t>
+              <a:t>2/27/2015</a:t>
             </a:fld>
             <a:endParaRPr lang="en-US"/>
           </a:p>
@@ -1771,7 +1775,7 @@
           <a:p>
             <a:fld id="{D98E9ECA-7275-4592-804C-A47C0FF8C144}" type="datetimeFigureOut">
               <a:rPr lang="en-US" smtClean="0"/>
-              <a:t>22-Feb-15</a:t>
+              <a:t>2/27/2015</a:t>
             </a:fld>
             <a:endParaRPr lang="en-US"/>
           </a:p>
@@ -1889,7 +1893,7 @@
           <a:p>
             <a:fld id="{D98E9ECA-7275-4592-804C-A47C0FF8C144}" type="datetimeFigureOut">
               <a:rPr lang="en-US" smtClean="0"/>
-              <a:t>22-Feb-15</a:t>
+              <a:t>2/27/2015</a:t>
             </a:fld>
             <a:endParaRPr lang="en-US"/>
           </a:p>
@@ -1984,7 +1988,7 @@
           <a:p>
             <a:fld id="{D98E9ECA-7275-4592-804C-A47C0FF8C144}" type="datetimeFigureOut">
               <a:rPr lang="en-US" smtClean="0"/>
-              <a:t>22-Feb-15</a:t>
+              <a:t>2/27/2015</a:t>
             </a:fld>
             <a:endParaRPr lang="en-US"/>
           </a:p>
@@ -2261,7 +2265,7 @@
           <a:p>
             <a:fld id="{D98E9ECA-7275-4592-804C-A47C0FF8C144}" type="datetimeFigureOut">
               <a:rPr lang="en-US" smtClean="0"/>
-              <a:t>22-Feb-15</a:t>
+              <a:t>2/27/2015</a:t>
             </a:fld>
             <a:endParaRPr lang="en-US"/>
           </a:p>
@@ -2514,7 +2518,7 @@
           <a:p>
             <a:fld id="{D98E9ECA-7275-4592-804C-A47C0FF8C144}" type="datetimeFigureOut">
               <a:rPr lang="en-US" smtClean="0"/>
-              <a:t>22-Feb-15</a:t>
+              <a:t>2/27/2015</a:t>
             </a:fld>
             <a:endParaRPr lang="en-US"/>
           </a:p>
@@ -2748,7 +2752,7 @@
           <a:p>
             <a:fld id="{D98E9ECA-7275-4592-804C-A47C0FF8C144}" type="datetimeFigureOut">
               <a:rPr lang="en-US" smtClean="0"/>
-              <a:t>22-Feb-15</a:t>
+              <a:t>2/27/2015</a:t>
             </a:fld>
             <a:endParaRPr lang="en-US"/>
           </a:p>
@@ -3165,14 +3169,16 @@
           </a:xfrm>
         </p:spPr>
         <p:txBody>
-          <a:bodyPr/>
+          <a:bodyPr>
+            <a:normAutofit/>
+          </a:bodyPr>
           <a:lstStyle/>
           <a:p>
             <a:r>
-              <a:rPr lang="en-US" dirty="0" smtClean="0"/>
-              <a:t>Insert baby online shop name here</a:t>
-            </a:r>
-            <a:endParaRPr lang="en-US" dirty="0"/>
+              <a:rPr lang="en-US" sz="5000" dirty="0" err="1" smtClean="0"/>
+              <a:t>Elmart</a:t>
+            </a:r>
+            <a:endParaRPr lang="en-US" sz="5000" dirty="0"/>
           </a:p>
         </p:txBody>
       </p:sp>
@@ -3230,6 +3236,575 @@
     <p:tnLst>
       <p:par>
         <p:cTn id="1" dur="indefinite" restart="never" nodeType="tmRoot"/>
+      </p:par>
+    </p:tnLst>
+  </p:timing>
+</p:sld>
+</file>
+
+<file path=ppt/slides/slide10.xml><?xml version="1.0" encoding="utf-8"?>
+<p:sld xmlns:a="http://schemas.openxmlformats.org/drawingml/2006/main" xmlns:r="http://schemas.openxmlformats.org/officeDocument/2006/relationships" xmlns:p="http://schemas.openxmlformats.org/presentationml/2006/main">
+  <p:cSld>
+    <p:spTree>
+      <p:nvGrpSpPr>
+        <p:cNvPr id="1" name=""/>
+        <p:cNvGrpSpPr/>
+        <p:nvPr/>
+      </p:nvGrpSpPr>
+      <p:grpSpPr>
+        <a:xfrm>
+          <a:off x="0" y="0"/>
+          <a:ext cx="0" cy="0"/>
+          <a:chOff x="0" y="0"/>
+          <a:chExt cx="0" cy="0"/>
+        </a:xfrm>
+      </p:grpSpPr>
+      <p:sp>
+        <p:nvSpPr>
+          <p:cNvPr id="2" name="Title 1"/>
+          <p:cNvSpPr>
+            <a:spLocks noGrp="1"/>
+          </p:cNvSpPr>
+          <p:nvPr>
+            <p:ph type="title"/>
+          </p:nvPr>
+        </p:nvSpPr>
+        <p:spPr/>
+        <p:txBody>
+          <a:bodyPr>
+            <a:normAutofit/>
+          </a:bodyPr>
+          <a:lstStyle/>
+          <a:p>
+            <a:r>
+              <a:rPr lang="en-US" dirty="0" smtClean="0"/>
+              <a:t>Use Case Diagram</a:t>
+            </a:r>
+            <a:endParaRPr lang="en-US" dirty="0"/>
+          </a:p>
+        </p:txBody>
+      </p:sp>
+      <p:sp>
+        <p:nvSpPr>
+          <p:cNvPr id="3" name="Content Placeholder 2"/>
+          <p:cNvSpPr>
+            <a:spLocks noGrp="1"/>
+          </p:cNvSpPr>
+          <p:nvPr>
+            <p:ph idx="1"/>
+          </p:nvPr>
+        </p:nvSpPr>
+        <p:spPr/>
+        <p:txBody>
+          <a:bodyPr/>
+          <a:lstStyle/>
+          <a:p>
+            <a:endParaRPr lang="en-US" dirty="0"/>
+          </a:p>
+        </p:txBody>
+      </p:sp>
+      <p:pic>
+        <p:nvPicPr>
+          <p:cNvPr id="1026" name="Picture 2"/>
+          <p:cNvPicPr>
+            <a:picLocks noChangeAspect="1" noChangeArrowheads="1"/>
+          </p:cNvPicPr>
+          <p:nvPr/>
+        </p:nvPicPr>
+        <p:blipFill>
+          <a:blip r:embed="rId2">
+            <a:extLst>
+              <a:ext uri="{28A0092B-C50C-407E-A947-70E740481C1C}">
+                <a14:useLocalDpi xmlns:a14="http://schemas.microsoft.com/office/drawing/2010/main" val="0"/>
+              </a:ext>
+            </a:extLst>
+          </a:blip>
+          <a:srcRect/>
+          <a:stretch>
+            <a:fillRect/>
+          </a:stretch>
+        </p:blipFill>
+        <p:spPr bwMode="auto">
+          <a:xfrm>
+            <a:off x="457200" y="1524000"/>
+            <a:ext cx="8523385" cy="4648200"/>
+          </a:xfrm>
+          <a:prstGeom prst="rect">
+            <a:avLst/>
+          </a:prstGeom>
+          <a:noFill/>
+          <a:ln>
+            <a:noFill/>
+          </a:ln>
+          <a:effectLst/>
+          <a:extLst>
+            <a:ext uri="{909E8E84-426E-40DD-AFC4-6F175D3DCCD1}">
+              <a14:hiddenFill xmlns:a14="http://schemas.microsoft.com/office/drawing/2010/main">
+                <a:solidFill>
+                  <a:schemeClr val="accent1"/>
+                </a:solidFill>
+              </a14:hiddenFill>
+            </a:ext>
+            <a:ext uri="{91240B29-F687-4F45-9708-019B960494DF}">
+              <a14:hiddenLine xmlns:a14="http://schemas.microsoft.com/office/drawing/2010/main" w="9525">
+                <a:solidFill>
+                  <a:schemeClr val="tx1"/>
+                </a:solidFill>
+                <a:miter lim="800000"/>
+                <a:headEnd/>
+                <a:tailEnd/>
+              </a14:hiddenLine>
+            </a:ext>
+            <a:ext uri="{AF507438-7753-43E0-B8FC-AC1667EBCBE1}">
+              <a14:hiddenEffects xmlns:a14="http://schemas.microsoft.com/office/drawing/2010/main">
+                <a:effectLst>
+                  <a:outerShdw dist="35921" dir="2700000" algn="ctr" rotWithShape="0">
+                    <a:schemeClr val="bg2"/>
+                  </a:outerShdw>
+                </a:effectLst>
+              </a14:hiddenEffects>
+            </a:ext>
+          </a:extLst>
+        </p:spPr>
+      </p:pic>
+    </p:spTree>
+    <p:extLst>
+      <p:ext uri="{BB962C8B-B14F-4D97-AF65-F5344CB8AC3E}">
+        <p14:creationId xmlns:p14="http://schemas.microsoft.com/office/powerpoint/2010/main" val="16085594"/>
+      </p:ext>
+    </p:extLst>
+  </p:cSld>
+  <p:clrMapOvr>
+    <a:masterClrMapping/>
+  </p:clrMapOvr>
+  <p:timing>
+    <p:tnLst>
+      <p:par>
+        <p:cTn id="1" dur="indefinite" restart="never" nodeType="tmRoot"/>
+      </p:par>
+    </p:tnLst>
+  </p:timing>
+</p:sld>
+</file>
+
+<file path=ppt/slides/slide11.xml><?xml version="1.0" encoding="utf-8"?>
+<p:sld xmlns:a="http://schemas.openxmlformats.org/drawingml/2006/main" xmlns:r="http://schemas.openxmlformats.org/officeDocument/2006/relationships" xmlns:p="http://schemas.openxmlformats.org/presentationml/2006/main">
+  <p:cSld>
+    <p:spTree>
+      <p:nvGrpSpPr>
+        <p:cNvPr id="1" name=""/>
+        <p:cNvGrpSpPr/>
+        <p:nvPr/>
+      </p:nvGrpSpPr>
+      <p:grpSpPr>
+        <a:xfrm>
+          <a:off x="0" y="0"/>
+          <a:ext cx="0" cy="0"/>
+          <a:chOff x="0" y="0"/>
+          <a:chExt cx="0" cy="0"/>
+        </a:xfrm>
+      </p:grpSpPr>
+      <p:sp>
+        <p:nvSpPr>
+          <p:cNvPr id="2" name="Title 1"/>
+          <p:cNvSpPr>
+            <a:spLocks noGrp="1"/>
+          </p:cNvSpPr>
+          <p:nvPr>
+            <p:ph type="title"/>
+          </p:nvPr>
+        </p:nvSpPr>
+        <p:spPr/>
+        <p:txBody>
+          <a:bodyPr/>
+          <a:lstStyle/>
+          <a:p>
+            <a:r>
+              <a:rPr lang="en-US" dirty="0" smtClean="0"/>
+              <a:t>Timeline</a:t>
+            </a:r>
+            <a:endParaRPr lang="en-US" dirty="0"/>
+          </a:p>
+        </p:txBody>
+      </p:sp>
+      <p:sp>
+        <p:nvSpPr>
+          <p:cNvPr id="3" name="Content Placeholder 2"/>
+          <p:cNvSpPr>
+            <a:spLocks noGrp="1"/>
+          </p:cNvSpPr>
+          <p:nvPr>
+            <p:ph idx="1"/>
+          </p:nvPr>
+        </p:nvSpPr>
+        <p:spPr/>
+        <p:txBody>
+          <a:bodyPr/>
+          <a:lstStyle/>
+          <a:p>
+            <a:r>
+              <a:rPr lang="en-US" dirty="0" err="1" smtClean="0">
+                <a:hlinkClick r:id="rId2" action="ppaction://hlinkfile"/>
+              </a:rPr>
+              <a:t>Klik</a:t>
+            </a:r>
+            <a:r>
+              <a:rPr lang="en-US" smtClean="0">
+                <a:hlinkClick r:id="rId2" action="ppaction://hlinkfile"/>
+              </a:rPr>
+              <a:t> here</a:t>
+            </a:r>
+            <a:endParaRPr lang="en-US"/>
+          </a:p>
+        </p:txBody>
+      </p:sp>
+    </p:spTree>
+    <p:extLst>
+      <p:ext uri="{BB962C8B-B14F-4D97-AF65-F5344CB8AC3E}">
+        <p14:creationId xmlns:p14="http://schemas.microsoft.com/office/powerpoint/2010/main" val="3727421474"/>
+      </p:ext>
+    </p:extLst>
+  </p:cSld>
+  <p:clrMapOvr>
+    <a:masterClrMapping/>
+  </p:clrMapOvr>
+  <p:timing>
+    <p:tnLst>
+      <p:par>
+        <p:cTn id="1" dur="indefinite" restart="never" nodeType="tmRoot"/>
+      </p:par>
+    </p:tnLst>
+  </p:timing>
+</p:sld>
+</file>
+
+<file path=ppt/slides/slide12.xml><?xml version="1.0" encoding="utf-8"?>
+<p:sld xmlns:a="http://schemas.openxmlformats.org/drawingml/2006/main" xmlns:r="http://schemas.openxmlformats.org/officeDocument/2006/relationships" xmlns:p="http://schemas.openxmlformats.org/presentationml/2006/main">
+  <p:cSld>
+    <p:spTree>
+      <p:nvGrpSpPr>
+        <p:cNvPr id="1" name=""/>
+        <p:cNvGrpSpPr/>
+        <p:nvPr/>
+      </p:nvGrpSpPr>
+      <p:grpSpPr>
+        <a:xfrm>
+          <a:off x="0" y="0"/>
+          <a:ext cx="0" cy="0"/>
+          <a:chOff x="0" y="0"/>
+          <a:chExt cx="0" cy="0"/>
+        </a:xfrm>
+      </p:grpSpPr>
+      <p:sp>
+        <p:nvSpPr>
+          <p:cNvPr id="2" name="Title 1"/>
+          <p:cNvSpPr>
+            <a:spLocks noGrp="1"/>
+          </p:cNvSpPr>
+          <p:nvPr>
+            <p:ph type="title"/>
+          </p:nvPr>
+        </p:nvSpPr>
+        <p:spPr/>
+        <p:txBody>
+          <a:bodyPr/>
+          <a:lstStyle/>
+          <a:p>
+            <a:r>
+              <a:rPr lang="en-US" dirty="0" smtClean="0">
+                <a:latin typeface="Bradley Hand ITC" panose="03070402050302030203" pitchFamily="66" charset="0"/>
+              </a:rPr>
+              <a:t>Thank You</a:t>
+            </a:r>
+            <a:endParaRPr lang="en-US" dirty="0">
+              <a:latin typeface="Bradley Hand ITC" panose="03070402050302030203" pitchFamily="66" charset="0"/>
+            </a:endParaRPr>
+          </a:p>
+        </p:txBody>
+      </p:sp>
+      <p:pic>
+        <p:nvPicPr>
+          <p:cNvPr id="3074" name="Picture 2" descr="C:\Users\SRD\Desktop\babies r us\LaughingBaby.jpg"/>
+          <p:cNvPicPr>
+            <a:picLocks noChangeAspect="1" noChangeArrowheads="1"/>
+          </p:cNvPicPr>
+          <p:nvPr/>
+        </p:nvPicPr>
+        <p:blipFill>
+          <a:blip r:embed="rId2" cstate="print">
+            <a:extLst>
+              <a:ext uri="{28A0092B-C50C-407E-A947-70E740481C1C}">
+                <a14:useLocalDpi xmlns:a14="http://schemas.microsoft.com/office/drawing/2010/main" val="0"/>
+              </a:ext>
+            </a:extLst>
+          </a:blip>
+          <a:srcRect/>
+          <a:stretch>
+            <a:fillRect/>
+          </a:stretch>
+        </p:blipFill>
+        <p:spPr bwMode="auto">
+          <a:xfrm>
+            <a:off x="76200" y="1905000"/>
+            <a:ext cx="3048000" cy="2578100"/>
+          </a:xfrm>
+          <a:prstGeom prst="rect">
+            <a:avLst/>
+          </a:prstGeom>
+          <a:noFill/>
+          <a:extLst>
+            <a:ext uri="{909E8E84-426E-40DD-AFC4-6F175D3DCCD1}">
+              <a14:hiddenFill xmlns:a14="http://schemas.microsoft.com/office/drawing/2010/main">
+                <a:solidFill>
+                  <a:srgbClr val="FFFFFF"/>
+                </a:solidFill>
+              </a14:hiddenFill>
+            </a:ext>
+          </a:extLst>
+        </p:spPr>
+      </p:pic>
+      <p:pic>
+        <p:nvPicPr>
+          <p:cNvPr id="3075" name="Picture 3" descr="C:\Users\SRD\Desktop\babies r us\PC11080413.jpg"/>
+          <p:cNvPicPr>
+            <a:picLocks noChangeAspect="1" noChangeArrowheads="1"/>
+          </p:cNvPicPr>
+          <p:nvPr/>
+        </p:nvPicPr>
+        <p:blipFill>
+          <a:blip r:embed="rId3">
+            <a:extLst>
+              <a:ext uri="{28A0092B-C50C-407E-A947-70E740481C1C}">
+                <a14:useLocalDpi xmlns:a14="http://schemas.microsoft.com/office/drawing/2010/main" val="0"/>
+              </a:ext>
+            </a:extLst>
+          </a:blip>
+          <a:srcRect/>
+          <a:stretch>
+            <a:fillRect/>
+          </a:stretch>
+        </p:blipFill>
+        <p:spPr bwMode="auto">
+          <a:xfrm>
+            <a:off x="3124200" y="1905000"/>
+            <a:ext cx="3102425" cy="2578100"/>
+          </a:xfrm>
+          <a:prstGeom prst="rect">
+            <a:avLst/>
+          </a:prstGeom>
+          <a:noFill/>
+          <a:extLst>
+            <a:ext uri="{909E8E84-426E-40DD-AFC4-6F175D3DCCD1}">
+              <a14:hiddenFill xmlns:a14="http://schemas.microsoft.com/office/drawing/2010/main">
+                <a:solidFill>
+                  <a:srgbClr val="FFFFFF"/>
+                </a:solidFill>
+              </a14:hiddenFill>
+            </a:ext>
+          </a:extLst>
+        </p:spPr>
+      </p:pic>
+      <p:pic>
+        <p:nvPicPr>
+          <p:cNvPr id="3076" name="Picture 4" descr="C:\Users\SRD\Desktop\babies r us\funny-baby-channel-3-8-s-307x512.jpg"/>
+          <p:cNvPicPr>
+            <a:picLocks noChangeAspect="1" noChangeArrowheads="1"/>
+          </p:cNvPicPr>
+          <p:nvPr/>
+        </p:nvPicPr>
+        <p:blipFill>
+          <a:blip r:embed="rId4">
+            <a:extLst>
+              <a:ext uri="{28A0092B-C50C-407E-A947-70E740481C1C}">
+                <a14:useLocalDpi xmlns:a14="http://schemas.microsoft.com/office/drawing/2010/main" val="0"/>
+              </a:ext>
+            </a:extLst>
+          </a:blip>
+          <a:srcRect/>
+          <a:stretch>
+            <a:fillRect/>
+          </a:stretch>
+        </p:blipFill>
+        <p:spPr bwMode="auto">
+          <a:xfrm>
+            <a:off x="6096000" y="1905001"/>
+            <a:ext cx="3047999" cy="2578100"/>
+          </a:xfrm>
+          <a:prstGeom prst="rect">
+            <a:avLst/>
+          </a:prstGeom>
+          <a:noFill/>
+          <a:extLst>
+            <a:ext uri="{909E8E84-426E-40DD-AFC4-6F175D3DCCD1}">
+              <a14:hiddenFill xmlns:a14="http://schemas.microsoft.com/office/drawing/2010/main">
+                <a:solidFill>
+                  <a:srgbClr val="FFFFFF"/>
+                </a:solidFill>
+              </a14:hiddenFill>
+            </a:ext>
+          </a:extLst>
+        </p:spPr>
+      </p:pic>
+    </p:spTree>
+    <p:extLst>
+      <p:ext uri="{BB962C8B-B14F-4D97-AF65-F5344CB8AC3E}">
+        <p14:creationId xmlns:p14="http://schemas.microsoft.com/office/powerpoint/2010/main" val="2557689431"/>
+      </p:ext>
+    </p:extLst>
+  </p:cSld>
+  <p:clrMapOvr>
+    <a:masterClrMapping/>
+  </p:clrMapOvr>
+  <p:timing>
+    <p:tnLst>
+      <p:par>
+        <p:cTn id="1" dur="indefinite" restart="never" nodeType="tmRoot">
+          <p:childTnLst>
+            <p:seq concurrent="1" nextAc="seek">
+              <p:cTn id="2" dur="indefinite" nodeType="mainSeq">
+                <p:childTnLst>
+                  <p:par>
+                    <p:cTn id="3" fill="hold">
+                      <p:stCondLst>
+                        <p:cond delay="indefinite"/>
+                      </p:stCondLst>
+                      <p:childTnLst>
+                        <p:par>
+                          <p:cTn id="4" fill="hold">
+                            <p:stCondLst>
+                              <p:cond delay="0"/>
+                            </p:stCondLst>
+                            <p:childTnLst>
+                              <p:par>
+                                <p:cTn id="5" presetID="6" presetClass="entr" presetSubtype="16" fill="hold" nodeType="clickEffect">
+                                  <p:stCondLst>
+                                    <p:cond delay="0"/>
+                                  </p:stCondLst>
+                                  <p:childTnLst>
+                                    <p:set>
+                                      <p:cBhvr>
+                                        <p:cTn id="6" dur="1" fill="hold">
+                                          <p:stCondLst>
+                                            <p:cond delay="0"/>
+                                          </p:stCondLst>
+                                        </p:cTn>
+                                        <p:tgtEl>
+                                          <p:spTgt spid="3074"/>
+                                        </p:tgtEl>
+                                        <p:attrNameLst>
+                                          <p:attrName>style.visibility</p:attrName>
+                                        </p:attrNameLst>
+                                      </p:cBhvr>
+                                      <p:to>
+                                        <p:strVal val="visible"/>
+                                      </p:to>
+                                    </p:set>
+                                    <p:animEffect transition="in" filter="circle(in)">
+                                      <p:cBhvr>
+                                        <p:cTn id="7" dur="2000"/>
+                                        <p:tgtEl>
+                                          <p:spTgt spid="3074"/>
+                                        </p:tgtEl>
+                                      </p:cBhvr>
+                                    </p:animEffect>
+                                  </p:childTnLst>
+                                </p:cTn>
+                              </p:par>
+                              <p:par>
+                                <p:cTn id="8" presetID="6" presetClass="entr" presetSubtype="16" fill="hold" nodeType="withEffect">
+                                  <p:stCondLst>
+                                    <p:cond delay="0"/>
+                                  </p:stCondLst>
+                                  <p:childTnLst>
+                                    <p:set>
+                                      <p:cBhvr>
+                                        <p:cTn id="9" dur="1" fill="hold">
+                                          <p:stCondLst>
+                                            <p:cond delay="0"/>
+                                          </p:stCondLst>
+                                        </p:cTn>
+                                        <p:tgtEl>
+                                          <p:spTgt spid="3075"/>
+                                        </p:tgtEl>
+                                        <p:attrNameLst>
+                                          <p:attrName>style.visibility</p:attrName>
+                                        </p:attrNameLst>
+                                      </p:cBhvr>
+                                      <p:to>
+                                        <p:strVal val="visible"/>
+                                      </p:to>
+                                    </p:set>
+                                    <p:animEffect transition="in" filter="circle(in)">
+                                      <p:cBhvr>
+                                        <p:cTn id="10" dur="2000"/>
+                                        <p:tgtEl>
+                                          <p:spTgt spid="3075"/>
+                                        </p:tgtEl>
+                                      </p:cBhvr>
+                                    </p:animEffect>
+                                  </p:childTnLst>
+                                </p:cTn>
+                              </p:par>
+                              <p:par>
+                                <p:cTn id="11" presetID="6" presetClass="entr" presetSubtype="16" fill="hold" nodeType="withEffect">
+                                  <p:stCondLst>
+                                    <p:cond delay="0"/>
+                                  </p:stCondLst>
+                                  <p:childTnLst>
+                                    <p:set>
+                                      <p:cBhvr>
+                                        <p:cTn id="12" dur="1" fill="hold">
+                                          <p:stCondLst>
+                                            <p:cond delay="0"/>
+                                          </p:stCondLst>
+                                        </p:cTn>
+                                        <p:tgtEl>
+                                          <p:spTgt spid="3076"/>
+                                        </p:tgtEl>
+                                        <p:attrNameLst>
+                                          <p:attrName>style.visibility</p:attrName>
+                                        </p:attrNameLst>
+                                      </p:cBhvr>
+                                      <p:to>
+                                        <p:strVal val="visible"/>
+                                      </p:to>
+                                    </p:set>
+                                    <p:animEffect transition="in" filter="circle(in)">
+                                      <p:cBhvr>
+                                        <p:cTn id="13" dur="2000"/>
+                                        <p:tgtEl>
+                                          <p:spTgt spid="3076"/>
+                                        </p:tgtEl>
+                                      </p:cBhvr>
+                                    </p:animEffect>
+                                  </p:childTnLst>
+                                </p:cTn>
+                              </p:par>
+                            </p:childTnLst>
+                          </p:cTn>
+                        </p:par>
+                      </p:childTnLst>
+                    </p:cTn>
+                  </p:par>
+                </p:childTnLst>
+              </p:cTn>
+              <p:prevCondLst>
+                <p:cond evt="onPrev" delay="0">
+                  <p:tgtEl>
+                    <p:sldTgt/>
+                  </p:tgtEl>
+                </p:cond>
+              </p:prevCondLst>
+              <p:nextCondLst>
+                <p:cond evt="onNext" delay="0">
+                  <p:tgtEl>
+                    <p:sldTgt/>
+                  </p:tgtEl>
+                </p:cond>
+              </p:nextCondLst>
+            </p:seq>
+          </p:childTnLst>
+        </p:cTn>
       </p:par>
     </p:tnLst>
   </p:timing>
@@ -4244,20 +4819,40 @@
           <a:lstStyle/>
           <a:p>
             <a:r>
-              <a:rPr lang="en-US" dirty="0" smtClean="0">
-                <a:latin typeface="Bradley Hand ITC" panose="03070402050302030203" pitchFamily="66" charset="0"/>
-              </a:rPr>
-              <a:t>What might gone wrong?</a:t>
-            </a:r>
-            <a:endParaRPr lang="en-US" dirty="0">
-              <a:latin typeface="Bradley Hand ITC" panose="03070402050302030203" pitchFamily="66" charset="0"/>
-            </a:endParaRPr>
-          </a:p>
-        </p:txBody>
-      </p:sp>
-      <p:sp>
-        <p:nvSpPr>
-          <p:cNvPr id="3" name="Content Placeholder 2"/>
+              <a:rPr lang="en-US" dirty="0" err="1"/>
+              <a:t>Deskripsi</a:t>
+            </a:r>
+            <a:r>
+              <a:rPr lang="en-US" dirty="0"/>
+              <a:t> </a:t>
+            </a:r>
+            <a:r>
+              <a:rPr lang="en-US" dirty="0" err="1"/>
+              <a:t>sistem</a:t>
+            </a:r>
+            <a:r>
+              <a:rPr lang="en-US" dirty="0"/>
+              <a:t> </a:t>
+            </a:r>
+            <a:r>
+              <a:rPr lang="en-US" dirty="0" err="1"/>
+              <a:t>dan</a:t>
+            </a:r>
+            <a:r>
+              <a:rPr lang="en-US" dirty="0"/>
+              <a:t> </a:t>
+            </a:r>
+            <a:r>
+              <a:rPr lang="en-US" dirty="0" err="1"/>
+              <a:t>batasanya</a:t>
+            </a:r>
+            <a:endParaRPr lang="en-US" dirty="0"/>
+          </a:p>
+        </p:txBody>
+      </p:sp>
+      <p:sp>
+        <p:nvSpPr>
+          <p:cNvPr id="4" name="Content Placeholder 2"/>
           <p:cNvSpPr>
             <a:spLocks noGrp="1"/>
           </p:cNvSpPr>
@@ -4267,27 +4862,463 @@
         </p:nvSpPr>
         <p:spPr/>
         <p:txBody>
-          <a:bodyPr/>
+          <a:bodyPr>
+            <a:normAutofit fontScale="77500" lnSpcReduction="20000"/>
+          </a:bodyPr>
           <a:lstStyle/>
           <a:p>
             <a:r>
+              <a:rPr lang="en-US" dirty="0" err="1" smtClean="0"/>
+              <a:t>Toko</a:t>
+            </a:r>
+            <a:r>
               <a:rPr lang="en-US" dirty="0" smtClean="0"/>
-              <a:t>Overloaded servers</a:t>
-            </a:r>
-          </a:p>
-          <a:p>
+              <a:t> online </a:t>
+            </a:r>
+            <a:r>
+              <a:rPr lang="en-US" dirty="0" err="1" smtClean="0"/>
+              <a:t>ini</a:t>
+            </a:r>
             <a:r>
               <a:rPr lang="en-US" dirty="0" smtClean="0"/>
-              <a:t>Redundant order</a:t>
-            </a:r>
-          </a:p>
-          <a:p>
+              <a:t> </a:t>
+            </a:r>
+            <a:r>
+              <a:rPr lang="en-US" dirty="0" err="1" smtClean="0"/>
+              <a:t>akan</a:t>
+            </a:r>
             <a:r>
               <a:rPr lang="en-US" dirty="0" smtClean="0"/>
-              <a:t>Confusing bookkeeping</a:t>
-            </a:r>
-          </a:p>
-          <a:p>
+              <a:t> </a:t>
+            </a:r>
+            <a:r>
+              <a:rPr lang="en-US" dirty="0" err="1" smtClean="0"/>
+              <a:t>dinamakan</a:t>
+            </a:r>
+            <a:r>
+              <a:rPr lang="en-US" dirty="0" smtClean="0"/>
+              <a:t> </a:t>
+            </a:r>
+            <a:r>
+              <a:rPr lang="en-US" dirty="0" err="1" smtClean="0"/>
+              <a:t>Elmart</a:t>
+            </a:r>
+            <a:endParaRPr lang="en-US" dirty="0" smtClean="0"/>
+          </a:p>
+          <a:p>
+            <a:r>
+              <a:rPr lang="en-US" dirty="0" err="1" smtClean="0"/>
+              <a:t>Menyediakan</a:t>
+            </a:r>
+            <a:r>
+              <a:rPr lang="en-US" dirty="0" smtClean="0"/>
+              <a:t> </a:t>
+            </a:r>
+            <a:r>
+              <a:rPr lang="en-US" dirty="0" err="1" smtClean="0"/>
+              <a:t>daftar</a:t>
+            </a:r>
+            <a:r>
+              <a:rPr lang="en-US" dirty="0" smtClean="0"/>
+              <a:t> </a:t>
+            </a:r>
+            <a:r>
+              <a:rPr lang="en-US" dirty="0" err="1" smtClean="0"/>
+              <a:t>barang</a:t>
+            </a:r>
+            <a:r>
+              <a:rPr lang="en-US" dirty="0" smtClean="0"/>
+              <a:t> yang </a:t>
+            </a:r>
+            <a:r>
+              <a:rPr lang="en-US" dirty="0" err="1" smtClean="0"/>
+              <a:t>akan</a:t>
+            </a:r>
+            <a:r>
+              <a:rPr lang="en-US" dirty="0" smtClean="0"/>
+              <a:t> </a:t>
+            </a:r>
+            <a:r>
+              <a:rPr lang="en-US" dirty="0" err="1" smtClean="0"/>
+              <a:t>dijual</a:t>
+            </a:r>
+            <a:endParaRPr lang="en-US" dirty="0"/>
+          </a:p>
+          <a:p>
+            <a:r>
+              <a:rPr lang="en-US" dirty="0" smtClean="0"/>
+              <a:t>Admin </a:t>
+            </a:r>
+            <a:r>
+              <a:rPr lang="en-US" dirty="0" err="1" smtClean="0"/>
+              <a:t>dapat</a:t>
+            </a:r>
+            <a:r>
+              <a:rPr lang="en-US" dirty="0" smtClean="0"/>
+              <a:t> </a:t>
+            </a:r>
+            <a:r>
+              <a:rPr lang="en-US" dirty="0" err="1" smtClean="0"/>
+              <a:t>melihat</a:t>
+            </a:r>
+            <a:r>
+              <a:rPr lang="en-US" dirty="0" smtClean="0"/>
+              <a:t> </a:t>
+            </a:r>
+            <a:r>
+              <a:rPr lang="en-US" dirty="0" err="1" smtClean="0"/>
+              <a:t>pemesanan</a:t>
+            </a:r>
+            <a:r>
+              <a:rPr lang="en-US" dirty="0" smtClean="0"/>
+              <a:t> </a:t>
+            </a:r>
+            <a:r>
+              <a:rPr lang="en-US" dirty="0" err="1" smtClean="0"/>
+              <a:t>dari</a:t>
+            </a:r>
+            <a:r>
+              <a:rPr lang="en-US" dirty="0" smtClean="0"/>
+              <a:t> </a:t>
+            </a:r>
+            <a:r>
+              <a:rPr lang="en-US" dirty="0" err="1" smtClean="0"/>
+              <a:t>pelanggan</a:t>
+            </a:r>
+            <a:r>
+              <a:rPr lang="en-US" dirty="0"/>
+              <a:t> </a:t>
+            </a:r>
+            <a:r>
+              <a:rPr lang="en-US" dirty="0" err="1" smtClean="0"/>
+              <a:t>dari</a:t>
+            </a:r>
+            <a:r>
+              <a:rPr lang="en-US" dirty="0" smtClean="0"/>
+              <a:t> </a:t>
+            </a:r>
+            <a:r>
+              <a:rPr lang="en-US" dirty="0" err="1" smtClean="0"/>
+              <a:t>dalam</a:t>
+            </a:r>
+            <a:r>
+              <a:rPr lang="en-US" dirty="0" smtClean="0"/>
+              <a:t> website</a:t>
+            </a:r>
+          </a:p>
+          <a:p>
+            <a:r>
+              <a:rPr lang="en-US" dirty="0" smtClean="0"/>
+              <a:t>Admin </a:t>
+            </a:r>
+            <a:r>
+              <a:rPr lang="en-US" dirty="0" err="1" smtClean="0"/>
+              <a:t>dapat</a:t>
+            </a:r>
+            <a:r>
+              <a:rPr lang="en-US" dirty="0" smtClean="0"/>
+              <a:t> </a:t>
+            </a:r>
+            <a:r>
+              <a:rPr lang="en-US" dirty="0" err="1" smtClean="0"/>
+              <a:t>merubah</a:t>
+            </a:r>
+            <a:r>
+              <a:rPr lang="en-US" dirty="0" smtClean="0"/>
+              <a:t> </a:t>
+            </a:r>
+            <a:r>
+              <a:rPr lang="en-US" dirty="0" err="1" smtClean="0"/>
+              <a:t>nama</a:t>
+            </a:r>
+            <a:r>
+              <a:rPr lang="en-US" dirty="0" smtClean="0"/>
+              <a:t>, </a:t>
+            </a:r>
+            <a:r>
+              <a:rPr lang="en-US" dirty="0" err="1" smtClean="0"/>
+              <a:t>stok</a:t>
+            </a:r>
+            <a:r>
+              <a:rPr lang="en-US" dirty="0" smtClean="0"/>
+              <a:t> </a:t>
+            </a:r>
+            <a:r>
+              <a:rPr lang="en-US" dirty="0" err="1" smtClean="0"/>
+              <a:t>dan</a:t>
+            </a:r>
+            <a:r>
+              <a:rPr lang="en-US" dirty="0" smtClean="0"/>
+              <a:t> </a:t>
+            </a:r>
+            <a:r>
+              <a:rPr lang="en-US" dirty="0" err="1" smtClean="0"/>
+              <a:t>harga</a:t>
+            </a:r>
+            <a:r>
+              <a:rPr lang="en-US" dirty="0" smtClean="0"/>
+              <a:t> </a:t>
+            </a:r>
+            <a:r>
+              <a:rPr lang="en-US" dirty="0" err="1" smtClean="0"/>
+              <a:t>barang</a:t>
+            </a:r>
+            <a:r>
+              <a:rPr lang="en-US" dirty="0" smtClean="0"/>
+              <a:t> yang </a:t>
+            </a:r>
+            <a:r>
+              <a:rPr lang="en-US" dirty="0" err="1" smtClean="0"/>
+              <a:t>dijual</a:t>
+            </a:r>
+            <a:endParaRPr lang="en-US" dirty="0" smtClean="0"/>
+          </a:p>
+          <a:p>
+            <a:r>
+              <a:rPr lang="en-US" dirty="0" err="1" smtClean="0"/>
+              <a:t>Pelanggan</a:t>
+            </a:r>
+            <a:r>
+              <a:rPr lang="en-US" dirty="0" smtClean="0"/>
+              <a:t> </a:t>
+            </a:r>
+            <a:r>
+              <a:rPr lang="en-US" dirty="0" err="1" smtClean="0"/>
+              <a:t>dapat</a:t>
+            </a:r>
+            <a:r>
+              <a:rPr lang="en-US" dirty="0" smtClean="0"/>
+              <a:t> </a:t>
+            </a:r>
+            <a:r>
+              <a:rPr lang="en-US" dirty="0" err="1" smtClean="0"/>
+              <a:t>memesan</a:t>
+            </a:r>
+            <a:r>
+              <a:rPr lang="en-US" dirty="0" smtClean="0"/>
+              <a:t> </a:t>
+            </a:r>
+            <a:r>
+              <a:rPr lang="en-US" dirty="0" err="1" smtClean="0"/>
+              <a:t>barang</a:t>
+            </a:r>
+            <a:r>
+              <a:rPr lang="en-US" dirty="0" smtClean="0"/>
+              <a:t> </a:t>
+            </a:r>
+            <a:r>
+              <a:rPr lang="en-US" dirty="0" err="1" smtClean="0"/>
+              <a:t>melalui</a:t>
+            </a:r>
+            <a:r>
+              <a:rPr lang="en-US" dirty="0" smtClean="0"/>
+              <a:t> website</a:t>
+            </a:r>
+          </a:p>
+          <a:p>
+            <a:r>
+              <a:rPr lang="en-US" dirty="0" err="1" smtClean="0"/>
+              <a:t>Setiap</a:t>
+            </a:r>
+            <a:r>
+              <a:rPr lang="en-US" dirty="0" smtClean="0"/>
+              <a:t> </a:t>
+            </a:r>
+            <a:r>
+              <a:rPr lang="en-US" dirty="0" err="1" smtClean="0"/>
+              <a:t>pemesanan</a:t>
+            </a:r>
+            <a:r>
+              <a:rPr lang="en-US" dirty="0" smtClean="0"/>
+              <a:t> </a:t>
+            </a:r>
+            <a:r>
+              <a:rPr lang="en-US" dirty="0" err="1" smtClean="0"/>
+              <a:t>pelanggan</a:t>
+            </a:r>
+            <a:r>
+              <a:rPr lang="en-US" dirty="0" smtClean="0"/>
+              <a:t> </a:t>
+            </a:r>
+            <a:r>
+              <a:rPr lang="en-US" dirty="0" err="1" smtClean="0"/>
+              <a:t>akan</a:t>
+            </a:r>
+            <a:r>
+              <a:rPr lang="en-US" dirty="0" smtClean="0"/>
+              <a:t> </a:t>
+            </a:r>
+            <a:r>
+              <a:rPr lang="en-US" dirty="0" err="1" smtClean="0"/>
+              <a:t>memasukkan</a:t>
+            </a:r>
+            <a:r>
+              <a:rPr lang="en-US" dirty="0" smtClean="0"/>
+              <a:t> </a:t>
+            </a:r>
+            <a:r>
+              <a:rPr lang="en-US" dirty="0" err="1" smtClean="0"/>
+              <a:t>alamatnya</a:t>
+            </a:r>
+            <a:r>
+              <a:rPr lang="en-US" dirty="0" smtClean="0"/>
+              <a:t>, </a:t>
+            </a:r>
+            <a:r>
+              <a:rPr lang="en-US" dirty="0" err="1" smtClean="0"/>
+              <a:t>pelanggan</a:t>
+            </a:r>
+            <a:r>
+              <a:rPr lang="en-US" dirty="0" smtClean="0"/>
+              <a:t> </a:t>
+            </a:r>
+            <a:r>
+              <a:rPr lang="en-US" dirty="0" err="1" smtClean="0"/>
+              <a:t>dapat</a:t>
+            </a:r>
+            <a:r>
+              <a:rPr lang="en-US" dirty="0"/>
+              <a:t> </a:t>
+            </a:r>
+            <a:r>
+              <a:rPr lang="en-US" dirty="0" err="1" smtClean="0"/>
+              <a:t>mendaftar</a:t>
+            </a:r>
+            <a:r>
+              <a:rPr lang="en-US" dirty="0" smtClean="0"/>
+              <a:t> </a:t>
+            </a:r>
+            <a:r>
+              <a:rPr lang="en-US" dirty="0" err="1" smtClean="0"/>
+              <a:t>menjadi</a:t>
+            </a:r>
+            <a:r>
+              <a:rPr lang="en-US" dirty="0" smtClean="0"/>
+              <a:t> member </a:t>
+            </a:r>
+            <a:r>
+              <a:rPr lang="en-US" dirty="0" err="1" smtClean="0"/>
+              <a:t>untuk</a:t>
+            </a:r>
+            <a:r>
+              <a:rPr lang="en-US" dirty="0" smtClean="0"/>
+              <a:t> </a:t>
+            </a:r>
+            <a:r>
+              <a:rPr lang="en-US" dirty="0" err="1" smtClean="0"/>
+              <a:t>menghindari</a:t>
+            </a:r>
+            <a:r>
+              <a:rPr lang="en-US" dirty="0" smtClean="0"/>
+              <a:t> proses </a:t>
+            </a:r>
+            <a:r>
+              <a:rPr lang="en-US" dirty="0" err="1" smtClean="0"/>
+              <a:t>memasukkan</a:t>
+            </a:r>
+            <a:r>
+              <a:rPr lang="en-US" dirty="0" smtClean="0"/>
+              <a:t> </a:t>
+            </a:r>
+            <a:r>
+              <a:rPr lang="en-US" dirty="0" err="1" smtClean="0"/>
+              <a:t>alamat</a:t>
+            </a:r>
+            <a:r>
+              <a:rPr lang="en-US" dirty="0" smtClean="0"/>
+              <a:t> </a:t>
+            </a:r>
+            <a:r>
+              <a:rPr lang="en-US" dirty="0" err="1" smtClean="0"/>
+              <a:t>pada</a:t>
+            </a:r>
+            <a:r>
+              <a:rPr lang="en-US" dirty="0" smtClean="0"/>
+              <a:t> </a:t>
+            </a:r>
+            <a:r>
+              <a:rPr lang="en-US" dirty="0" err="1" smtClean="0"/>
+              <a:t>pemesanan</a:t>
+            </a:r>
+            <a:r>
+              <a:rPr lang="en-US" dirty="0" smtClean="0"/>
+              <a:t> </a:t>
+            </a:r>
+            <a:r>
+              <a:rPr lang="en-US" dirty="0" err="1" smtClean="0"/>
+              <a:t>berikutnya</a:t>
+            </a:r>
+            <a:endParaRPr lang="en-US" dirty="0" smtClean="0"/>
+          </a:p>
+          <a:p>
+            <a:r>
+              <a:rPr lang="en-US" dirty="0" err="1" smtClean="0"/>
+              <a:t>Pembayaran</a:t>
+            </a:r>
+            <a:r>
+              <a:rPr lang="en-US" dirty="0" smtClean="0"/>
+              <a:t> </a:t>
+            </a:r>
+            <a:r>
+              <a:rPr lang="en-US" dirty="0" err="1" smtClean="0"/>
+              <a:t>dilakukan</a:t>
+            </a:r>
+            <a:r>
+              <a:rPr lang="en-US" dirty="0" smtClean="0"/>
+              <a:t> </a:t>
+            </a:r>
+            <a:r>
+              <a:rPr lang="en-US" dirty="0" err="1" smtClean="0"/>
+              <a:t>dengan</a:t>
+            </a:r>
+            <a:r>
+              <a:rPr lang="en-US" dirty="0" smtClean="0"/>
+              <a:t> </a:t>
+            </a:r>
+            <a:r>
+              <a:rPr lang="en-US" dirty="0" err="1" smtClean="0"/>
+              <a:t>metode</a:t>
+            </a:r>
+            <a:r>
+              <a:rPr lang="en-US" dirty="0" smtClean="0"/>
+              <a:t> transfer </a:t>
+            </a:r>
+            <a:r>
+              <a:rPr lang="en-US" dirty="0" err="1" smtClean="0"/>
+              <a:t>dan</a:t>
+            </a:r>
+            <a:r>
+              <a:rPr lang="en-US" dirty="0" smtClean="0"/>
+              <a:t> </a:t>
+            </a:r>
+            <a:r>
+              <a:rPr lang="en-US" dirty="0" err="1" smtClean="0"/>
+              <a:t>tidak</a:t>
+            </a:r>
+            <a:r>
+              <a:rPr lang="en-US" dirty="0" smtClean="0"/>
+              <a:t> </a:t>
+            </a:r>
+            <a:r>
+              <a:rPr lang="en-US" dirty="0" err="1" smtClean="0"/>
+              <a:t>diatur</a:t>
+            </a:r>
+            <a:r>
+              <a:rPr lang="en-US" dirty="0" smtClean="0"/>
+              <a:t> </a:t>
+            </a:r>
+            <a:r>
+              <a:rPr lang="en-US" dirty="0" err="1" smtClean="0"/>
+              <a:t>dalam</a:t>
+            </a:r>
+            <a:r>
+              <a:rPr lang="en-US" dirty="0" smtClean="0"/>
+              <a:t> </a:t>
+            </a:r>
+            <a:r>
+              <a:rPr lang="en-US" dirty="0" err="1" smtClean="0"/>
+              <a:t>sistem</a:t>
+            </a:r>
             <a:endParaRPr lang="en-US" dirty="0"/>
           </a:p>
         </p:txBody>
@@ -4295,7 +5326,7 @@
     </p:spTree>
     <p:extLst>
       <p:ext uri="{BB962C8B-B14F-4D97-AF65-F5344CB8AC3E}">
-        <p14:creationId xmlns:p14="http://schemas.microsoft.com/office/powerpoint/2010/main" val="2988598372"/>
+        <p14:creationId xmlns:p14="http://schemas.microsoft.com/office/powerpoint/2010/main" val="2331295598"/>
       </p:ext>
     </p:extLst>
   </p:cSld>
@@ -4348,6 +5379,367 @@
               <a:rPr lang="en-US" dirty="0" smtClean="0">
                 <a:latin typeface="Bradley Hand ITC" panose="03070402050302030203" pitchFamily="66" charset="0"/>
               </a:rPr>
+              <a:t>What might gone wrong?</a:t>
+            </a:r>
+            <a:endParaRPr lang="en-US" dirty="0">
+              <a:latin typeface="Bradley Hand ITC" panose="03070402050302030203" pitchFamily="66" charset="0"/>
+            </a:endParaRPr>
+          </a:p>
+        </p:txBody>
+      </p:sp>
+      <p:sp>
+        <p:nvSpPr>
+          <p:cNvPr id="3" name="Content Placeholder 2"/>
+          <p:cNvSpPr>
+            <a:spLocks noGrp="1"/>
+          </p:cNvSpPr>
+          <p:nvPr>
+            <p:ph idx="1"/>
+          </p:nvPr>
+        </p:nvSpPr>
+        <p:spPr/>
+        <p:txBody>
+          <a:bodyPr/>
+          <a:lstStyle/>
+          <a:p>
+            <a:r>
+              <a:rPr lang="en-US" dirty="0" smtClean="0"/>
+              <a:t>Overloaded servers</a:t>
+            </a:r>
+          </a:p>
+          <a:p>
+            <a:r>
+              <a:rPr lang="en-US" dirty="0" err="1" smtClean="0"/>
+              <a:t>Pembatalan</a:t>
+            </a:r>
+            <a:r>
+              <a:rPr lang="en-US" dirty="0" smtClean="0"/>
+              <a:t> order</a:t>
+            </a:r>
+            <a:endParaRPr lang="en-US" dirty="0" smtClean="0"/>
+          </a:p>
+          <a:p>
+            <a:endParaRPr lang="en-US" dirty="0"/>
+          </a:p>
+        </p:txBody>
+      </p:sp>
+    </p:spTree>
+    <p:extLst>
+      <p:ext uri="{BB962C8B-B14F-4D97-AF65-F5344CB8AC3E}">
+        <p14:creationId xmlns:p14="http://schemas.microsoft.com/office/powerpoint/2010/main" val="2988598372"/>
+      </p:ext>
+    </p:extLst>
+  </p:cSld>
+  <p:clrMapOvr>
+    <a:masterClrMapping/>
+  </p:clrMapOvr>
+  <p:timing>
+    <p:tnLst>
+      <p:par>
+        <p:cTn id="1" dur="indefinite" restart="never" nodeType="tmRoot"/>
+      </p:par>
+    </p:tnLst>
+  </p:timing>
+</p:sld>
+</file>
+
+<file path=ppt/slides/slide6.xml><?xml version="1.0" encoding="utf-8"?>
+<p:sld xmlns:a="http://schemas.openxmlformats.org/drawingml/2006/main" xmlns:r="http://schemas.openxmlformats.org/officeDocument/2006/relationships" xmlns:p="http://schemas.openxmlformats.org/presentationml/2006/main">
+  <p:cSld>
+    <p:spTree>
+      <p:nvGrpSpPr>
+        <p:cNvPr id="1" name=""/>
+        <p:cNvGrpSpPr/>
+        <p:nvPr/>
+      </p:nvGrpSpPr>
+      <p:grpSpPr>
+        <a:xfrm>
+          <a:off x="0" y="0"/>
+          <a:ext cx="0" cy="0"/>
+          <a:chOff x="0" y="0"/>
+          <a:chExt cx="0" cy="0"/>
+        </a:xfrm>
+      </p:grpSpPr>
+      <p:sp>
+        <p:nvSpPr>
+          <p:cNvPr id="2" name="Title 1"/>
+          <p:cNvSpPr>
+            <a:spLocks noGrp="1"/>
+          </p:cNvSpPr>
+          <p:nvPr>
+            <p:ph type="title"/>
+          </p:nvPr>
+        </p:nvSpPr>
+        <p:spPr/>
+        <p:txBody>
+          <a:bodyPr/>
+          <a:lstStyle/>
+          <a:p>
+            <a:r>
+              <a:rPr lang="en-US" dirty="0" err="1" smtClean="0"/>
+              <a:t>Analisa</a:t>
+            </a:r>
+            <a:r>
+              <a:rPr lang="en-US" dirty="0" smtClean="0"/>
+              <a:t> </a:t>
+            </a:r>
+            <a:r>
+              <a:rPr lang="en-US" dirty="0" err="1" smtClean="0"/>
+              <a:t>Resiko</a:t>
+            </a:r>
+            <a:endParaRPr lang="en-US" dirty="0"/>
+          </a:p>
+        </p:txBody>
+      </p:sp>
+      <p:sp>
+        <p:nvSpPr>
+          <p:cNvPr id="3" name="Content Placeholder 2"/>
+          <p:cNvSpPr>
+            <a:spLocks noGrp="1"/>
+          </p:cNvSpPr>
+          <p:nvPr>
+            <p:ph idx="1"/>
+          </p:nvPr>
+        </p:nvSpPr>
+        <p:spPr/>
+        <p:txBody>
+          <a:bodyPr/>
+          <a:lstStyle/>
+          <a:p>
+            <a:r>
+              <a:rPr lang="en-US" dirty="0" err="1"/>
+              <a:t>Resiko</a:t>
+            </a:r>
+            <a:r>
+              <a:rPr lang="en-US" dirty="0"/>
+              <a:t> </a:t>
+            </a:r>
+            <a:r>
+              <a:rPr lang="en-US" dirty="0" err="1"/>
+              <a:t>proyek</a:t>
+            </a:r>
+            <a:endParaRPr lang="en-US" dirty="0"/>
+          </a:p>
+          <a:p>
+            <a:pPr lvl="1"/>
+            <a:r>
+              <a:rPr lang="en-US" dirty="0" err="1"/>
+              <a:t>Estimasi</a:t>
+            </a:r>
+            <a:r>
+              <a:rPr lang="en-US" dirty="0"/>
+              <a:t> </a:t>
+            </a:r>
+            <a:r>
+              <a:rPr lang="en-US" dirty="0" err="1"/>
+              <a:t>pada</a:t>
+            </a:r>
+            <a:r>
+              <a:rPr lang="en-US" dirty="0"/>
+              <a:t> </a:t>
+            </a:r>
+            <a:r>
+              <a:rPr lang="en-US" dirty="0" err="1"/>
+              <a:t>tahap</a:t>
+            </a:r>
+            <a:r>
+              <a:rPr lang="en-US" dirty="0"/>
+              <a:t> </a:t>
+            </a:r>
+            <a:r>
+              <a:rPr lang="en-US" dirty="0" err="1"/>
+              <a:t>perancangan</a:t>
+            </a:r>
+            <a:r>
+              <a:rPr lang="en-US" dirty="0"/>
+              <a:t> </a:t>
+            </a:r>
+            <a:r>
+              <a:rPr lang="en-US" dirty="0" err="1"/>
+              <a:t>tidak</a:t>
+            </a:r>
+            <a:r>
+              <a:rPr lang="en-US" dirty="0"/>
+              <a:t> </a:t>
+            </a:r>
+            <a:r>
+              <a:rPr lang="en-US" dirty="0" err="1"/>
+              <a:t>sesuai</a:t>
+            </a:r>
+            <a:r>
+              <a:rPr lang="en-US" dirty="0"/>
+              <a:t> </a:t>
+            </a:r>
+            <a:r>
+              <a:rPr lang="en-US" dirty="0" err="1"/>
+              <a:t>dengan</a:t>
+            </a:r>
+            <a:r>
+              <a:rPr lang="en-US" dirty="0"/>
+              <a:t> </a:t>
+            </a:r>
+            <a:r>
+              <a:rPr lang="en-US" dirty="0" err="1"/>
+              <a:t>kejadian</a:t>
+            </a:r>
+            <a:r>
+              <a:rPr lang="en-US" dirty="0"/>
+              <a:t> </a:t>
+            </a:r>
+            <a:r>
+              <a:rPr lang="en-US" dirty="0" err="1"/>
+              <a:t>sebenarnya</a:t>
+            </a:r>
+            <a:endParaRPr lang="en-US" dirty="0"/>
+          </a:p>
+          <a:p>
+            <a:r>
+              <a:rPr lang="en-US" dirty="0" err="1"/>
+              <a:t>Resiko</a:t>
+            </a:r>
+            <a:r>
+              <a:rPr lang="en-US" dirty="0"/>
+              <a:t> </a:t>
+            </a:r>
+            <a:r>
+              <a:rPr lang="en-US" dirty="0" err="1"/>
+              <a:t>teknikal</a:t>
+            </a:r>
+            <a:endParaRPr lang="en-US" dirty="0"/>
+          </a:p>
+          <a:p>
+            <a:pPr lvl="1"/>
+            <a:r>
+              <a:rPr lang="en-US" dirty="0" err="1"/>
+              <a:t>Keterlambatan</a:t>
+            </a:r>
+            <a:r>
+              <a:rPr lang="en-US" dirty="0"/>
+              <a:t> </a:t>
+            </a:r>
+            <a:r>
+              <a:rPr lang="en-US" dirty="0" err="1"/>
+              <a:t>pembuatan</a:t>
+            </a:r>
+            <a:r>
+              <a:rPr lang="en-US" dirty="0"/>
+              <a:t> </a:t>
+            </a:r>
+            <a:r>
+              <a:rPr lang="en-US" dirty="0" err="1"/>
+              <a:t>sistem</a:t>
+            </a:r>
+            <a:endParaRPr lang="en-US" dirty="0"/>
+          </a:p>
+          <a:p>
+            <a:pPr lvl="1"/>
+            <a:r>
+              <a:rPr lang="en-US" dirty="0" err="1"/>
+              <a:t>Kegagalan</a:t>
+            </a:r>
+            <a:r>
+              <a:rPr lang="en-US" dirty="0"/>
+              <a:t> </a:t>
+            </a:r>
+            <a:r>
+              <a:rPr lang="en-US" dirty="0" err="1"/>
+              <a:t>fungsi</a:t>
+            </a:r>
+            <a:r>
+              <a:rPr lang="en-US" dirty="0"/>
+              <a:t> </a:t>
+            </a:r>
+            <a:r>
+              <a:rPr lang="en-US" dirty="0" err="1"/>
+              <a:t>suatu</a:t>
+            </a:r>
+            <a:r>
+              <a:rPr lang="en-US" dirty="0"/>
+              <a:t> </a:t>
+            </a:r>
+            <a:r>
+              <a:rPr lang="en-US" dirty="0" err="1"/>
+              <a:t>fitur</a:t>
+            </a:r>
+            <a:r>
+              <a:rPr lang="en-US" dirty="0"/>
+              <a:t> </a:t>
+            </a:r>
+            <a:r>
+              <a:rPr lang="en-US" dirty="0" err="1"/>
+              <a:t>dalam</a:t>
+            </a:r>
+            <a:r>
+              <a:rPr lang="en-US" dirty="0"/>
+              <a:t> </a:t>
+            </a:r>
+            <a:r>
+              <a:rPr lang="en-US" dirty="0" err="1"/>
+              <a:t>sistem</a:t>
+            </a:r>
+            <a:endParaRPr lang="en-US" dirty="0"/>
+          </a:p>
+          <a:p>
+            <a:endParaRPr lang="en-US" dirty="0"/>
+          </a:p>
+        </p:txBody>
+      </p:sp>
+    </p:spTree>
+    <p:extLst>
+      <p:ext uri="{BB962C8B-B14F-4D97-AF65-F5344CB8AC3E}">
+        <p14:creationId xmlns:p14="http://schemas.microsoft.com/office/powerpoint/2010/main" val="4041401601"/>
+      </p:ext>
+    </p:extLst>
+  </p:cSld>
+  <p:clrMapOvr>
+    <a:masterClrMapping/>
+  </p:clrMapOvr>
+  <p:timing>
+    <p:tnLst>
+      <p:par>
+        <p:cTn id="1" dur="indefinite" restart="never" nodeType="tmRoot"/>
+      </p:par>
+    </p:tnLst>
+  </p:timing>
+</p:sld>
+</file>
+
+<file path=ppt/slides/slide7.xml><?xml version="1.0" encoding="utf-8"?>
+<p:sld xmlns:a="http://schemas.openxmlformats.org/drawingml/2006/main" xmlns:r="http://schemas.openxmlformats.org/officeDocument/2006/relationships" xmlns:p="http://schemas.openxmlformats.org/presentationml/2006/main">
+  <p:cSld>
+    <p:spTree>
+      <p:nvGrpSpPr>
+        <p:cNvPr id="1" name=""/>
+        <p:cNvGrpSpPr/>
+        <p:nvPr/>
+      </p:nvGrpSpPr>
+      <p:grpSpPr>
+        <a:xfrm>
+          <a:off x="0" y="0"/>
+          <a:ext cx="0" cy="0"/>
+          <a:chOff x="0" y="0"/>
+          <a:chExt cx="0" cy="0"/>
+        </a:xfrm>
+      </p:grpSpPr>
+      <p:sp>
+        <p:nvSpPr>
+          <p:cNvPr id="2" name="Title 1"/>
+          <p:cNvSpPr>
+            <a:spLocks noGrp="1"/>
+          </p:cNvSpPr>
+          <p:nvPr>
+            <p:ph type="title"/>
+          </p:nvPr>
+        </p:nvSpPr>
+        <p:spPr/>
+        <p:txBody>
+          <a:bodyPr/>
+          <a:lstStyle/>
+          <a:p>
+            <a:r>
+              <a:rPr lang="en-US" dirty="0" smtClean="0">
+                <a:latin typeface="Bradley Hand ITC" panose="03070402050302030203" pitchFamily="66" charset="0"/>
+              </a:rPr>
               <a:t>What are the problems?</a:t>
             </a:r>
             <a:endParaRPr lang="en-US" dirty="0">
@@ -4375,28 +5767,12 @@
           <a:p>
             <a:r>
               <a:rPr lang="en-US" sz="2000" dirty="0" smtClean="0"/>
-              <a:t>Database (up to date, easy to access, non-redundant)</a:t>
-            </a:r>
-          </a:p>
-          <a:p>
-            <a:endParaRPr lang="en-US" sz="2000" dirty="0" smtClean="0"/>
-          </a:p>
-          <a:p>
-            <a:endParaRPr lang="en-US" sz="2000" dirty="0"/>
-          </a:p>
-          <a:p>
-            <a:endParaRPr lang="en-US" sz="2000" dirty="0" smtClean="0"/>
-          </a:p>
-          <a:p>
-            <a:endParaRPr lang="en-US" sz="2000" dirty="0"/>
-          </a:p>
-          <a:p>
-            <a:endParaRPr lang="en-US" sz="2000" dirty="0" smtClean="0"/>
-          </a:p>
-          <a:p>
-            <a:endParaRPr lang="en-US" sz="2000" dirty="0"/>
-          </a:p>
-          <a:p>
+              <a:t>Database (up to date, easy to access, non-redundant</a:t>
+            </a:r>
+            <a:r>
+              <a:rPr lang="en-US" sz="2000" dirty="0" smtClean="0"/>
+              <a:t>)</a:t>
+            </a:r>
             <a:endParaRPr lang="en-US" sz="2000" dirty="0"/>
           </a:p>
           <a:p>
@@ -4417,8 +5793,38 @@
           <a:p>
             <a:r>
               <a:rPr lang="en-US" sz="2000" dirty="0" smtClean="0"/>
-              <a:t>Physical server (more cost, more robust)</a:t>
-            </a:r>
+              <a:t>Physical server (more cost, more robust</a:t>
+            </a:r>
+            <a:r>
+              <a:rPr lang="en-US" sz="2000" dirty="0" smtClean="0"/>
+              <a:t>)</a:t>
+            </a:r>
+          </a:p>
+          <a:p>
+            <a:endParaRPr lang="en-US" sz="2000" dirty="0"/>
+          </a:p>
+          <a:p>
+            <a:r>
+              <a:rPr lang="en-US" sz="2000" dirty="0" smtClean="0"/>
+              <a:t>Database yang </a:t>
+            </a:r>
+            <a:r>
+              <a:rPr lang="en-US" sz="2000" dirty="0" err="1" smtClean="0"/>
+              <a:t>akan</a:t>
+            </a:r>
+            <a:r>
+              <a:rPr lang="en-US" sz="2000" dirty="0" smtClean="0"/>
+              <a:t> </a:t>
+            </a:r>
+            <a:r>
+              <a:rPr lang="en-US" sz="2000" dirty="0" err="1" smtClean="0"/>
+              <a:t>digunakan</a:t>
+            </a:r>
+            <a:r>
+              <a:rPr lang="en-US" sz="2000" dirty="0" smtClean="0"/>
+              <a:t> : Online server</a:t>
+            </a:r>
+            <a:endParaRPr lang="en-US" sz="2000" dirty="0" smtClean="0"/>
           </a:p>
           <a:p>
             <a:endParaRPr lang="en-US" sz="2000" dirty="0"/>
@@ -4445,7 +5851,7 @@
 </p:sld>
 </file>
 
-<file path=ppt/slides/slide6.xml><?xml version="1.0" encoding="utf-8"?>
+<file path=ppt/slides/slide8.xml><?xml version="1.0" encoding="utf-8"?>
 <p:sld xmlns:a="http://schemas.openxmlformats.org/drawingml/2006/main" xmlns:r="http://schemas.openxmlformats.org/officeDocument/2006/relationships" xmlns:p="http://schemas.openxmlformats.org/presentationml/2006/main">
   <p:cSld>
     <p:spTree>
@@ -4704,7 +6110,7 @@
 </p:sld>
 </file>
 
-<file path=ppt/slides/slide7.xml><?xml version="1.0" encoding="utf-8"?>
+<file path=ppt/slides/slide9.xml><?xml version="1.0" encoding="utf-8"?>
 <p:sld xmlns:a="http://schemas.openxmlformats.org/drawingml/2006/main" xmlns:r="http://schemas.openxmlformats.org/officeDocument/2006/relationships" xmlns:p="http://schemas.openxmlformats.org/presentationml/2006/main">
   <p:cSld>
     <p:spTree>
@@ -4737,451 +6143,332 @@
           <a:lstStyle/>
           <a:p>
             <a:r>
-              <a:rPr lang="en-US" dirty="0" smtClean="0">
-                <a:latin typeface="Bradley Hand ITC" panose="03070402050302030203" pitchFamily="66" charset="0"/>
-              </a:rPr>
-              <a:t>Thank You</a:t>
-            </a:r>
-            <a:endParaRPr lang="en-US" dirty="0">
-              <a:latin typeface="Bradley Hand ITC" panose="03070402050302030203" pitchFamily="66" charset="0"/>
-            </a:endParaRPr>
-          </a:p>
-        </p:txBody>
-      </p:sp>
-      <p:pic>
-        <p:nvPicPr>
-          <p:cNvPr id="3074" name="Picture 2" descr="C:\Users\SRD\Desktop\babies r us\LaughingBaby.jpg"/>
-          <p:cNvPicPr>
-            <a:picLocks noChangeAspect="1" noChangeArrowheads="1"/>
-          </p:cNvPicPr>
-          <p:nvPr/>
-        </p:nvPicPr>
-        <p:blipFill>
-          <a:blip r:embed="rId2" cstate="print">
-            <a:extLst>
-              <a:ext uri="{28A0092B-C50C-407E-A947-70E740481C1C}">
-                <a14:useLocalDpi xmlns:a14="http://schemas.microsoft.com/office/drawing/2010/main" val="0"/>
-              </a:ext>
-            </a:extLst>
-          </a:blip>
-          <a:srcRect/>
-          <a:stretch>
-            <a:fillRect/>
-          </a:stretch>
-        </p:blipFill>
-        <p:spPr bwMode="auto">
-          <a:xfrm>
-            <a:off x="76200" y="1905000"/>
-            <a:ext cx="3048000" cy="2578100"/>
-          </a:xfrm>
-          <a:prstGeom prst="rect">
-            <a:avLst/>
-          </a:prstGeom>
-          <a:noFill/>
-          <a:extLst>
-            <a:ext uri="{909E8E84-426E-40DD-AFC4-6F175D3DCCD1}">
-              <a14:hiddenFill xmlns:a14="http://schemas.microsoft.com/office/drawing/2010/main">
-                <a:solidFill>
-                  <a:srgbClr val="FFFFFF"/>
-                </a:solidFill>
-              </a14:hiddenFill>
-            </a:ext>
-          </a:extLst>
-        </p:spPr>
-      </p:pic>
-      <p:pic>
-        <p:nvPicPr>
-          <p:cNvPr id="3075" name="Picture 3" descr="C:\Users\SRD\Desktop\babies r us\PC11080413.jpg"/>
-          <p:cNvPicPr>
-            <a:picLocks noChangeAspect="1" noChangeArrowheads="1"/>
-          </p:cNvPicPr>
-          <p:nvPr/>
-        </p:nvPicPr>
-        <p:blipFill>
-          <a:blip r:embed="rId3">
-            <a:extLst>
-              <a:ext uri="{28A0092B-C50C-407E-A947-70E740481C1C}">
-                <a14:useLocalDpi xmlns:a14="http://schemas.microsoft.com/office/drawing/2010/main" val="0"/>
-              </a:ext>
-            </a:extLst>
-          </a:blip>
-          <a:srcRect/>
-          <a:stretch>
-            <a:fillRect/>
-          </a:stretch>
-        </p:blipFill>
-        <p:spPr bwMode="auto">
-          <a:xfrm>
-            <a:off x="3124200" y="1905000"/>
-            <a:ext cx="3102425" cy="2578100"/>
-          </a:xfrm>
-          <a:prstGeom prst="rect">
-            <a:avLst/>
-          </a:prstGeom>
-          <a:noFill/>
-          <a:extLst>
-            <a:ext uri="{909E8E84-426E-40DD-AFC4-6F175D3DCCD1}">
-              <a14:hiddenFill xmlns:a14="http://schemas.microsoft.com/office/drawing/2010/main">
-                <a:solidFill>
-                  <a:srgbClr val="FFFFFF"/>
-                </a:solidFill>
-              </a14:hiddenFill>
-            </a:ext>
-          </a:extLst>
-        </p:spPr>
-      </p:pic>
-      <p:pic>
-        <p:nvPicPr>
-          <p:cNvPr id="3076" name="Picture 4" descr="C:\Users\SRD\Desktop\babies r us\funny-baby-channel-3-8-s-307x512.jpg"/>
-          <p:cNvPicPr>
-            <a:picLocks noChangeAspect="1" noChangeArrowheads="1"/>
-          </p:cNvPicPr>
-          <p:nvPr/>
-        </p:nvPicPr>
-        <p:blipFill>
-          <a:blip r:embed="rId4">
-            <a:extLst>
-              <a:ext uri="{28A0092B-C50C-407E-A947-70E740481C1C}">
-                <a14:useLocalDpi xmlns:a14="http://schemas.microsoft.com/office/drawing/2010/main" val="0"/>
-              </a:ext>
-            </a:extLst>
-          </a:blip>
-          <a:srcRect/>
-          <a:stretch>
-            <a:fillRect/>
-          </a:stretch>
-        </p:blipFill>
-        <p:spPr bwMode="auto">
-          <a:xfrm>
-            <a:off x="6096000" y="1905001"/>
-            <a:ext cx="3047999" cy="2578100"/>
-          </a:xfrm>
-          <a:prstGeom prst="rect">
-            <a:avLst/>
-          </a:prstGeom>
-          <a:noFill/>
-          <a:extLst>
-            <a:ext uri="{909E8E84-426E-40DD-AFC4-6F175D3DCCD1}">
-              <a14:hiddenFill xmlns:a14="http://schemas.microsoft.com/office/drawing/2010/main">
-                <a:solidFill>
-                  <a:srgbClr val="FFFFFF"/>
-                </a:solidFill>
-              </a14:hiddenFill>
-            </a:ext>
-          </a:extLst>
-        </p:spPr>
-      </p:pic>
+              <a:rPr lang="en-US" dirty="0" err="1" smtClean="0"/>
+              <a:t>Sumber</a:t>
+            </a:r>
+            <a:r>
+              <a:rPr lang="en-US" dirty="0" smtClean="0"/>
+              <a:t> </a:t>
+            </a:r>
+            <a:r>
+              <a:rPr lang="en-US" dirty="0" err="1"/>
+              <a:t>D</a:t>
+            </a:r>
+            <a:r>
+              <a:rPr lang="en-US" dirty="0" err="1" smtClean="0"/>
+              <a:t>aya</a:t>
+            </a:r>
+            <a:r>
+              <a:rPr lang="en-US" dirty="0" smtClean="0"/>
+              <a:t> </a:t>
+            </a:r>
+            <a:r>
+              <a:rPr lang="en-US" dirty="0" err="1" smtClean="0"/>
+              <a:t>Manusia</a:t>
+            </a:r>
+            <a:endParaRPr lang="en-US" dirty="0"/>
+          </a:p>
+        </p:txBody>
+      </p:sp>
+      <p:sp>
+        <p:nvSpPr>
+          <p:cNvPr id="3" name="Content Placeholder 2"/>
+          <p:cNvSpPr>
+            <a:spLocks noGrp="1"/>
+          </p:cNvSpPr>
+          <p:nvPr>
+            <p:ph idx="1"/>
+          </p:nvPr>
+        </p:nvSpPr>
+        <p:spPr/>
+        <p:txBody>
+          <a:bodyPr>
+            <a:normAutofit fontScale="92500" lnSpcReduction="10000"/>
+          </a:bodyPr>
+          <a:lstStyle/>
+          <a:p>
+            <a:r>
+              <a:rPr lang="en-US" sz="2600" dirty="0"/>
+              <a:t>5109100182 </a:t>
+            </a:r>
+            <a:r>
+              <a:rPr lang="en-US" sz="2600" dirty="0" err="1"/>
+              <a:t>Ardhian</a:t>
+            </a:r>
+            <a:r>
+              <a:rPr lang="en-US" sz="2600" dirty="0"/>
+              <a:t> </a:t>
+            </a:r>
+            <a:r>
+              <a:rPr lang="en-US" sz="2600" dirty="0" err="1"/>
+              <a:t>Sasmito</a:t>
+            </a:r>
+            <a:r>
+              <a:rPr lang="en-US" sz="2600" dirty="0"/>
+              <a:t> (Programmer, Tester</a:t>
+            </a:r>
+            <a:r>
+              <a:rPr lang="en-US" sz="2600" dirty="0" smtClean="0"/>
+              <a:t>)</a:t>
+            </a:r>
+          </a:p>
+          <a:p>
+            <a:pPr lvl="1"/>
+            <a:r>
+              <a:rPr lang="en-US" sz="2200" dirty="0" err="1" smtClean="0"/>
+              <a:t>Pengerjaan</a:t>
+            </a:r>
+            <a:r>
+              <a:rPr lang="en-US" sz="2200" dirty="0" smtClean="0"/>
+              <a:t> program </a:t>
+            </a:r>
+            <a:r>
+              <a:rPr lang="en-US" sz="2200" dirty="0" err="1" smtClean="0"/>
+              <a:t>utama</a:t>
+            </a:r>
+            <a:r>
+              <a:rPr lang="en-US" sz="2200" dirty="0" smtClean="0"/>
+              <a:t> </a:t>
+            </a:r>
+            <a:r>
+              <a:rPr lang="en-US" sz="2200" dirty="0" err="1" smtClean="0"/>
+              <a:t>sistem</a:t>
+            </a:r>
+            <a:endParaRPr lang="en-US" sz="2200" dirty="0" smtClean="0"/>
+          </a:p>
+          <a:p>
+            <a:pPr lvl="1"/>
+            <a:r>
+              <a:rPr lang="en-US" sz="2200" dirty="0" err="1" smtClean="0"/>
+              <a:t>Melakukan</a:t>
+            </a:r>
+            <a:r>
+              <a:rPr lang="en-US" sz="2200" dirty="0" smtClean="0"/>
+              <a:t> </a:t>
+            </a:r>
+            <a:r>
+              <a:rPr lang="en-US" sz="2200" dirty="0" err="1" smtClean="0"/>
+              <a:t>pengujian</a:t>
+            </a:r>
+            <a:r>
+              <a:rPr lang="en-US" sz="2200" dirty="0" smtClean="0"/>
+              <a:t> </a:t>
+            </a:r>
+            <a:r>
+              <a:rPr lang="en-US" sz="2200" dirty="0" err="1" smtClean="0"/>
+              <a:t>pada</a:t>
+            </a:r>
+            <a:r>
+              <a:rPr lang="en-US" sz="2200" dirty="0" smtClean="0"/>
+              <a:t> </a:t>
+            </a:r>
+            <a:r>
+              <a:rPr lang="en-US" sz="2200" dirty="0" err="1" smtClean="0"/>
+              <a:t>tahap</a:t>
+            </a:r>
+            <a:r>
+              <a:rPr lang="en-US" sz="2200" dirty="0" smtClean="0"/>
+              <a:t> alpha</a:t>
+            </a:r>
+            <a:endParaRPr lang="en-US" sz="2200" dirty="0"/>
+          </a:p>
+          <a:p>
+            <a:r>
+              <a:rPr lang="en-US" sz="2600" dirty="0"/>
+              <a:t>5110100099 Muhammad </a:t>
+            </a:r>
+            <a:r>
+              <a:rPr lang="en-US" sz="2600" dirty="0" err="1"/>
+              <a:t>Adri</a:t>
+            </a:r>
+            <a:r>
+              <a:rPr lang="en-US" sz="2600" dirty="0"/>
+              <a:t> R (PM, </a:t>
+            </a:r>
+            <a:r>
+              <a:rPr lang="en-US" sz="2600" dirty="0" smtClean="0"/>
+              <a:t>Programmer)</a:t>
+            </a:r>
+          </a:p>
+          <a:p>
+            <a:pPr lvl="1"/>
+            <a:r>
+              <a:rPr lang="en-US" sz="2200" dirty="0" err="1" smtClean="0"/>
+              <a:t>Sebagai</a:t>
+            </a:r>
+            <a:r>
+              <a:rPr lang="en-US" sz="2200" dirty="0" smtClean="0"/>
+              <a:t> project manager</a:t>
+            </a:r>
+          </a:p>
+          <a:p>
+            <a:pPr lvl="1"/>
+            <a:r>
+              <a:rPr lang="en-US" sz="2200" dirty="0" err="1" smtClean="0"/>
+              <a:t>Pengerjaan</a:t>
+            </a:r>
+            <a:r>
+              <a:rPr lang="en-US" sz="2200" dirty="0" smtClean="0"/>
+              <a:t> </a:t>
+            </a:r>
+            <a:r>
+              <a:rPr lang="en-US" sz="2200" dirty="0" err="1" smtClean="0"/>
+              <a:t>fitur-fitur</a:t>
+            </a:r>
+            <a:r>
+              <a:rPr lang="en-US" sz="2200" dirty="0" smtClean="0"/>
+              <a:t> </a:t>
+            </a:r>
+            <a:r>
+              <a:rPr lang="en-US" sz="2200" dirty="0" err="1" smtClean="0"/>
+              <a:t>pendukung</a:t>
+            </a:r>
+            <a:endParaRPr lang="en-US" sz="2200" dirty="0"/>
+          </a:p>
+          <a:p>
+            <a:r>
+              <a:rPr lang="en-US" sz="2600" dirty="0"/>
+              <a:t>5112100103 Dimas </a:t>
+            </a:r>
+            <a:r>
+              <a:rPr lang="en-US" sz="2600" dirty="0" err="1"/>
+              <a:t>Aulia</a:t>
+            </a:r>
+            <a:r>
+              <a:rPr lang="en-US" sz="2600" dirty="0"/>
+              <a:t> </a:t>
+            </a:r>
+            <a:r>
+              <a:rPr lang="en-US" sz="2600" dirty="0" smtClean="0"/>
+              <a:t>(Analyst, Designer, Documentary )</a:t>
+            </a:r>
+          </a:p>
+          <a:p>
+            <a:pPr lvl="1"/>
+            <a:r>
+              <a:rPr lang="en-US" sz="2200" dirty="0" err="1" smtClean="0"/>
+              <a:t>Membantu</a:t>
+            </a:r>
+            <a:r>
+              <a:rPr lang="en-US" sz="2200" dirty="0" smtClean="0"/>
+              <a:t> </a:t>
+            </a:r>
+            <a:r>
+              <a:rPr lang="en-US" sz="2200" dirty="0" err="1" smtClean="0"/>
+              <a:t>analisa</a:t>
+            </a:r>
+            <a:r>
+              <a:rPr lang="en-US" sz="2200" dirty="0" smtClean="0"/>
+              <a:t> </a:t>
+            </a:r>
+            <a:r>
+              <a:rPr lang="en-US" sz="2200" dirty="0" err="1" smtClean="0"/>
+              <a:t>kebutuhan</a:t>
+            </a:r>
+            <a:endParaRPr lang="en-US" sz="2200" dirty="0"/>
+          </a:p>
+          <a:p>
+            <a:pPr lvl="1"/>
+            <a:r>
+              <a:rPr lang="en-US" sz="2200" dirty="0" err="1" smtClean="0"/>
+              <a:t>Pembuatan</a:t>
+            </a:r>
+            <a:r>
+              <a:rPr lang="en-US" sz="2200" dirty="0" smtClean="0"/>
+              <a:t> </a:t>
+            </a:r>
+            <a:r>
+              <a:rPr lang="en-US" sz="2200" dirty="0" err="1" smtClean="0"/>
+              <a:t>desain</a:t>
+            </a:r>
+            <a:r>
+              <a:rPr lang="en-US" sz="2200" dirty="0" smtClean="0"/>
+              <a:t> interface</a:t>
+            </a:r>
+          </a:p>
+          <a:p>
+            <a:pPr lvl="1"/>
+            <a:r>
+              <a:rPr lang="en-US" sz="2200" dirty="0" err="1" smtClean="0"/>
+              <a:t>Pembuatan</a:t>
+            </a:r>
+            <a:r>
+              <a:rPr lang="en-US" sz="2200" dirty="0" smtClean="0"/>
+              <a:t> </a:t>
+            </a:r>
+            <a:r>
+              <a:rPr lang="en-US" sz="2200" dirty="0" err="1" smtClean="0"/>
+              <a:t>dekumentasi</a:t>
+            </a:r>
+            <a:endParaRPr lang="en-US" sz="2200" dirty="0"/>
+          </a:p>
+          <a:p>
+            <a:r>
+              <a:rPr lang="en-US" sz="2600" dirty="0"/>
+              <a:t>5112100188 </a:t>
+            </a:r>
+            <a:r>
+              <a:rPr lang="en-US" sz="2600" dirty="0" err="1"/>
+              <a:t>Pandu</a:t>
+            </a:r>
+            <a:r>
+              <a:rPr lang="en-US" sz="2600" dirty="0"/>
+              <a:t>  </a:t>
+            </a:r>
+            <a:r>
+              <a:rPr lang="en-US" sz="2600" dirty="0" smtClean="0"/>
+              <a:t>(</a:t>
+            </a:r>
+            <a:r>
+              <a:rPr lang="en-US" sz="2600" dirty="0"/>
+              <a:t>Analyst </a:t>
+            </a:r>
+            <a:r>
+              <a:rPr lang="en-US" sz="2600" dirty="0" smtClean="0"/>
+              <a:t>, Database )</a:t>
+            </a:r>
+          </a:p>
+          <a:p>
+            <a:pPr lvl="1"/>
+            <a:r>
+              <a:rPr lang="en-US" sz="2200" dirty="0" err="1" smtClean="0"/>
+              <a:t>Membuat</a:t>
+            </a:r>
+            <a:r>
+              <a:rPr lang="en-US" sz="2200" dirty="0" smtClean="0"/>
+              <a:t> database </a:t>
+            </a:r>
+            <a:r>
+              <a:rPr lang="en-US" sz="2200" dirty="0" err="1" smtClean="0"/>
+              <a:t>dan</a:t>
+            </a:r>
+            <a:r>
+              <a:rPr lang="en-US" sz="2200" dirty="0" smtClean="0"/>
+              <a:t> </a:t>
+            </a:r>
+            <a:r>
+              <a:rPr lang="en-US" sz="2200" dirty="0" err="1" smtClean="0"/>
+              <a:t>menganalisa</a:t>
+            </a:r>
+            <a:r>
+              <a:rPr lang="en-US" sz="2200" dirty="0" smtClean="0"/>
+              <a:t> </a:t>
+            </a:r>
+            <a:r>
+              <a:rPr lang="en-US" sz="2200" dirty="0" err="1" smtClean="0"/>
+              <a:t>kebutuhan</a:t>
+            </a:r>
+            <a:endParaRPr lang="en-US" sz="2200" dirty="0"/>
+          </a:p>
+          <a:p>
+            <a:endParaRPr lang="en-US" sz="2600" dirty="0"/>
+          </a:p>
+        </p:txBody>
+      </p:sp>
     </p:spTree>
     <p:extLst>
       <p:ext uri="{BB962C8B-B14F-4D97-AF65-F5344CB8AC3E}">
-        <p14:creationId xmlns:p14="http://schemas.microsoft.com/office/powerpoint/2010/main" val="2557689431"/>
-      </p:ext>
-    </p:extLst>
-  </p:cSld>
-  <p:clrMapOvr>
-    <a:masterClrMapping/>
-  </p:clrMapOvr>
-  <p:timing>
-    <p:tnLst>
-      <p:par>
-        <p:cTn id="1" dur="indefinite" restart="never" nodeType="tmRoot">
-          <p:childTnLst>
-            <p:seq concurrent="1" nextAc="seek">
-              <p:cTn id="2" dur="indefinite" nodeType="mainSeq">
-                <p:childTnLst>
-                  <p:par>
-                    <p:cTn id="3" fill="hold">
-                      <p:stCondLst>
-                        <p:cond delay="indefinite"/>
-                      </p:stCondLst>
-                      <p:childTnLst>
-                        <p:par>
-                          <p:cTn id="4" fill="hold">
-                            <p:stCondLst>
-                              <p:cond delay="0"/>
-                            </p:stCondLst>
-                            <p:childTnLst>
-                              <p:par>
-                                <p:cTn id="5" presetID="6" presetClass="entr" presetSubtype="16" fill="hold" nodeType="clickEffect">
-                                  <p:stCondLst>
-                                    <p:cond delay="0"/>
-                                  </p:stCondLst>
-                                  <p:childTnLst>
-                                    <p:set>
-                                      <p:cBhvr>
-                                        <p:cTn id="6" dur="1" fill="hold">
-                                          <p:stCondLst>
-                                            <p:cond delay="0"/>
-                                          </p:stCondLst>
-                                        </p:cTn>
-                                        <p:tgtEl>
-                                          <p:spTgt spid="3074"/>
-                                        </p:tgtEl>
-                                        <p:attrNameLst>
-                                          <p:attrName>style.visibility</p:attrName>
-                                        </p:attrNameLst>
-                                      </p:cBhvr>
-                                      <p:to>
-                                        <p:strVal val="visible"/>
-                                      </p:to>
-                                    </p:set>
-                                    <p:animEffect transition="in" filter="circle(in)">
-                                      <p:cBhvr>
-                                        <p:cTn id="7" dur="2000"/>
-                                        <p:tgtEl>
-                                          <p:spTgt spid="3074"/>
-                                        </p:tgtEl>
-                                      </p:cBhvr>
-                                    </p:animEffect>
-                                  </p:childTnLst>
-                                </p:cTn>
-                              </p:par>
-                              <p:par>
-                                <p:cTn id="8" presetID="6" presetClass="entr" presetSubtype="16" fill="hold" nodeType="withEffect">
-                                  <p:stCondLst>
-                                    <p:cond delay="0"/>
-                                  </p:stCondLst>
-                                  <p:childTnLst>
-                                    <p:set>
-                                      <p:cBhvr>
-                                        <p:cTn id="9" dur="1" fill="hold">
-                                          <p:stCondLst>
-                                            <p:cond delay="0"/>
-                                          </p:stCondLst>
-                                        </p:cTn>
-                                        <p:tgtEl>
-                                          <p:spTgt spid="3075"/>
-                                        </p:tgtEl>
-                                        <p:attrNameLst>
-                                          <p:attrName>style.visibility</p:attrName>
-                                        </p:attrNameLst>
-                                      </p:cBhvr>
-                                      <p:to>
-                                        <p:strVal val="visible"/>
-                                      </p:to>
-                                    </p:set>
-                                    <p:animEffect transition="in" filter="circle(in)">
-                                      <p:cBhvr>
-                                        <p:cTn id="10" dur="2000"/>
-                                        <p:tgtEl>
-                                          <p:spTgt spid="3075"/>
-                                        </p:tgtEl>
-                                      </p:cBhvr>
-                                    </p:animEffect>
-                                  </p:childTnLst>
-                                </p:cTn>
-                              </p:par>
-                              <p:par>
-                                <p:cTn id="11" presetID="6" presetClass="entr" presetSubtype="16" fill="hold" nodeType="withEffect">
-                                  <p:stCondLst>
-                                    <p:cond delay="0"/>
-                                  </p:stCondLst>
-                                  <p:childTnLst>
-                                    <p:set>
-                                      <p:cBhvr>
-                                        <p:cTn id="12" dur="1" fill="hold">
-                                          <p:stCondLst>
-                                            <p:cond delay="0"/>
-                                          </p:stCondLst>
-                                        </p:cTn>
-                                        <p:tgtEl>
-                                          <p:spTgt spid="3076"/>
-                                        </p:tgtEl>
-                                        <p:attrNameLst>
-                                          <p:attrName>style.visibility</p:attrName>
-                                        </p:attrNameLst>
-                                      </p:cBhvr>
-                                      <p:to>
-                                        <p:strVal val="visible"/>
-                                      </p:to>
-                                    </p:set>
-                                    <p:animEffect transition="in" filter="circle(in)">
-                                      <p:cBhvr>
-                                        <p:cTn id="13" dur="2000"/>
-                                        <p:tgtEl>
-                                          <p:spTgt spid="3076"/>
-                                        </p:tgtEl>
-                                      </p:cBhvr>
-                                    </p:animEffect>
-                                  </p:childTnLst>
-                                </p:cTn>
-                              </p:par>
-                            </p:childTnLst>
-                          </p:cTn>
-                        </p:par>
-                      </p:childTnLst>
-                    </p:cTn>
-                  </p:par>
-                </p:childTnLst>
-              </p:cTn>
-              <p:prevCondLst>
-                <p:cond evt="onPrev" delay="0">
-                  <p:tgtEl>
-                    <p:sldTgt/>
-                  </p:tgtEl>
-                </p:cond>
-              </p:prevCondLst>
-              <p:nextCondLst>
-                <p:cond evt="onNext" delay="0">
-                  <p:tgtEl>
-                    <p:sldTgt/>
-                  </p:tgtEl>
-                </p:cond>
-              </p:nextCondLst>
-            </p:seq>
-          </p:childTnLst>
-        </p:cTn>
-      </p:par>
-    </p:tnLst>
-  </p:timing>
-</p:sld>
-</file>
-
-<file path=ppt/slides/slide8.xml><?xml version="1.0" encoding="utf-8"?>
-<p:sld xmlns:a="http://schemas.openxmlformats.org/drawingml/2006/main" xmlns:r="http://schemas.openxmlformats.org/officeDocument/2006/relationships" xmlns:p="http://schemas.openxmlformats.org/presentationml/2006/main">
-  <p:cSld>
-    <p:bg>
-      <p:bgPr>
-        <a:solidFill>
-          <a:schemeClr val="bg1"/>
-        </a:solidFill>
-        <a:effectLst/>
-      </p:bgPr>
-    </p:bg>
-    <p:spTree>
-      <p:nvGrpSpPr>
-        <p:cNvPr id="1" name=""/>
-        <p:cNvGrpSpPr/>
-        <p:nvPr/>
-      </p:nvGrpSpPr>
-      <p:grpSpPr>
-        <a:xfrm>
-          <a:off x="0" y="0"/>
-          <a:ext cx="0" cy="0"/>
-          <a:chOff x="0" y="0"/>
-          <a:chExt cx="0" cy="0"/>
-        </a:xfrm>
-      </p:grpSpPr>
-      <p:sp>
-        <p:nvSpPr>
-          <p:cNvPr id="2" name="Title 1"/>
-          <p:cNvSpPr>
-            <a:spLocks noGrp="1"/>
-          </p:cNvSpPr>
-          <p:nvPr>
-            <p:ph type="title"/>
-          </p:nvPr>
-        </p:nvSpPr>
-        <p:spPr/>
-        <p:txBody>
-          <a:bodyPr/>
-          <a:lstStyle/>
-          <a:p>
-            <a:r>
-              <a:rPr lang="en-US" dirty="0" err="1" smtClean="0"/>
-              <a:t>Kelompok</a:t>
-            </a:r>
-            <a:r>
-              <a:rPr lang="en-US" dirty="0" smtClean="0"/>
-              <a:t> MPPL E08</a:t>
-            </a:r>
-            <a:endParaRPr lang="en-US" dirty="0"/>
-          </a:p>
-        </p:txBody>
-      </p:sp>
-      <p:sp>
-        <p:nvSpPr>
-          <p:cNvPr id="3" name="Content Placeholder 2"/>
-          <p:cNvSpPr>
-            <a:spLocks noGrp="1"/>
-          </p:cNvSpPr>
-          <p:nvPr>
-            <p:ph idx="1"/>
-          </p:nvPr>
-        </p:nvSpPr>
-        <p:spPr/>
-        <p:txBody>
-          <a:bodyPr>
-            <a:normAutofit/>
-          </a:bodyPr>
-          <a:lstStyle/>
-          <a:p>
-            <a:r>
-              <a:rPr lang="en-US" sz="1800" dirty="0" smtClean="0"/>
-              <a:t>5109100182 </a:t>
-            </a:r>
-            <a:r>
-              <a:rPr lang="en-US" sz="1800" dirty="0" err="1" smtClean="0"/>
-              <a:t>Ardhian</a:t>
-            </a:r>
-            <a:r>
-              <a:rPr lang="en-US" sz="1800" dirty="0" smtClean="0"/>
-              <a:t> </a:t>
-            </a:r>
-            <a:r>
-              <a:rPr lang="en-US" sz="1800" dirty="0" err="1" smtClean="0"/>
-              <a:t>Sasmito</a:t>
-            </a:r>
-            <a:r>
-              <a:rPr lang="en-US" sz="1800" dirty="0" smtClean="0"/>
-              <a:t> (Programmer, Tester)</a:t>
-            </a:r>
-          </a:p>
-          <a:p>
-            <a:r>
-              <a:rPr lang="en-US" sz="1800" dirty="0" smtClean="0"/>
-              <a:t>5110100099 Muhammad </a:t>
-            </a:r>
-            <a:r>
-              <a:rPr lang="en-US" sz="1800" dirty="0" err="1" smtClean="0"/>
-              <a:t>Adri</a:t>
-            </a:r>
-            <a:r>
-              <a:rPr lang="en-US" sz="1800" dirty="0" smtClean="0"/>
-              <a:t> R (PM, Programmer, Documentary)</a:t>
-            </a:r>
-          </a:p>
-          <a:p>
-            <a:r>
-              <a:rPr lang="en-US" sz="1800" dirty="0" smtClean="0"/>
-              <a:t>5112100103 Dimas </a:t>
-            </a:r>
-            <a:r>
-              <a:rPr lang="en-US" sz="1800" dirty="0" err="1" smtClean="0"/>
-              <a:t>Aulia</a:t>
-            </a:r>
-            <a:r>
-              <a:rPr lang="en-US" sz="1800" dirty="0" smtClean="0"/>
-              <a:t> (Analyst, Designer, Database )</a:t>
-            </a:r>
-          </a:p>
-          <a:p>
-            <a:r>
-              <a:rPr lang="en-US" sz="1800" dirty="0" smtClean="0"/>
-              <a:t>5112100188 </a:t>
-            </a:r>
-            <a:r>
-              <a:rPr lang="en-US" sz="1800" dirty="0" err="1" smtClean="0"/>
-              <a:t>Pandu</a:t>
-            </a:r>
-            <a:r>
-              <a:rPr lang="en-US" sz="1800" dirty="0" smtClean="0"/>
-              <a:t>  (</a:t>
-            </a:r>
-            <a:r>
-              <a:rPr lang="en-US" sz="1800" dirty="0" smtClean="0"/>
-              <a:t>Analyst, Designer, Database )</a:t>
-            </a:r>
-          </a:p>
-          <a:p>
-            <a:endParaRPr lang="en-US" sz="1800" dirty="0"/>
-          </a:p>
-        </p:txBody>
-      </p:sp>
-    </p:spTree>
-    <p:extLst>
-      <p:ext uri="{BB962C8B-B14F-4D97-AF65-F5344CB8AC3E}">
-        <p14:creationId xmlns:p14="http://schemas.microsoft.com/office/powerpoint/2010/main" val="6762714"/>
+        <p14:creationId xmlns:p14="http://schemas.microsoft.com/office/powerpoint/2010/main" val="1232001524"/>
       </p:ext>
     </p:extLst>
   </p:cSld>

--- a/Draft PPT MPPL E.pptx
+++ b/Draft PPT MPPL E.pptx
@@ -112,6 +112,230 @@
     </a:lvl9pPr>
   </p:defaultTextStyle>
 </p:presentation>
+</file>
+
+<file path=ppt/charts/chart1.xml><?xml version="1.0" encoding="utf-8"?>
+<c:chartSpace xmlns:c="http://schemas.openxmlformats.org/drawingml/2006/chart" xmlns:a="http://schemas.openxmlformats.org/drawingml/2006/main" xmlns:r="http://schemas.openxmlformats.org/officeDocument/2006/relationships">
+  <c:date1904 val="0"/>
+  <c:lang val="en-US"/>
+  <c:roundedCorners val="0"/>
+  <mc:AlternateContent xmlns:mc="http://schemas.openxmlformats.org/markup-compatibility/2006">
+    <mc:Choice xmlns:c14="http://schemas.microsoft.com/office/drawing/2007/8/2/chart" Requires="c14">
+      <c14:style val="102"/>
+    </mc:Choice>
+    <mc:Fallback>
+      <c:style val="2"/>
+    </mc:Fallback>
+  </mc:AlternateContent>
+  <c:chart>
+    <c:autoTitleDeleted val="0"/>
+    <c:plotArea>
+      <c:layout/>
+      <c:lineChart>
+        <c:grouping val="stacked"/>
+        <c:varyColors val="0"/>
+        <c:ser>
+          <c:idx val="0"/>
+          <c:order val="0"/>
+          <c:tx>
+            <c:strRef>
+              <c:f>Sheet1!$B$1</c:f>
+              <c:strCache>
+                <c:ptCount val="1"/>
+                <c:pt idx="0">
+                  <c:v>Online</c:v>
+                </c:pt>
+              </c:strCache>
+            </c:strRef>
+          </c:tx>
+          <c:marker>
+            <c:symbol val="none"/>
+          </c:marker>
+          <c:cat>
+            <c:strRef>
+              <c:f>Sheet1!$A$2:$A$10</c:f>
+              <c:strCache>
+                <c:ptCount val="9"/>
+                <c:pt idx="0">
+                  <c:v>Bulan 1</c:v>
+                </c:pt>
+                <c:pt idx="2">
+                  <c:v>Bulan 2</c:v>
+                </c:pt>
+                <c:pt idx="4">
+                  <c:v>Bulan 3</c:v>
+                </c:pt>
+                <c:pt idx="6">
+                  <c:v>Bulan 4</c:v>
+                </c:pt>
+                <c:pt idx="8">
+                  <c:v>Bulan 5</c:v>
+                </c:pt>
+              </c:strCache>
+            </c:strRef>
+          </c:cat>
+          <c:val>
+            <c:numRef>
+              <c:f>Sheet1!$B$2:$B$10</c:f>
+              <c:numCache>
+                <c:formatCode>General</c:formatCode>
+                <c:ptCount val="9"/>
+                <c:pt idx="0">
+                  <c:v>1500</c:v>
+                </c:pt>
+                <c:pt idx="2">
+                  <c:v>0</c:v>
+                </c:pt>
+                <c:pt idx="4">
+                  <c:v>0</c:v>
+                </c:pt>
+                <c:pt idx="6">
+                  <c:v>0</c:v>
+                </c:pt>
+                <c:pt idx="8">
+                  <c:v>0</c:v>
+                </c:pt>
+              </c:numCache>
+            </c:numRef>
+          </c:val>
+          <c:smooth val="0"/>
+        </c:ser>
+        <c:ser>
+          <c:idx val="1"/>
+          <c:order val="1"/>
+          <c:tx>
+            <c:strRef>
+              <c:f>Sheet1!$C$1</c:f>
+              <c:strCache>
+                <c:ptCount val="1"/>
+                <c:pt idx="0">
+                  <c:v>Physical</c:v>
+                </c:pt>
+              </c:strCache>
+            </c:strRef>
+          </c:tx>
+          <c:marker>
+            <c:symbol val="none"/>
+          </c:marker>
+          <c:cat>
+            <c:strRef>
+              <c:f>Sheet1!$A$2:$A$10</c:f>
+              <c:strCache>
+                <c:ptCount val="9"/>
+                <c:pt idx="0">
+                  <c:v>Bulan 1</c:v>
+                </c:pt>
+                <c:pt idx="2">
+                  <c:v>Bulan 2</c:v>
+                </c:pt>
+                <c:pt idx="4">
+                  <c:v>Bulan 3</c:v>
+                </c:pt>
+                <c:pt idx="6">
+                  <c:v>Bulan 4</c:v>
+                </c:pt>
+                <c:pt idx="8">
+                  <c:v>Bulan 5</c:v>
+                </c:pt>
+              </c:strCache>
+            </c:strRef>
+          </c:cat>
+          <c:val>
+            <c:numRef>
+              <c:f>Sheet1!$C$2:$C$10</c:f>
+              <c:numCache>
+                <c:formatCode>General</c:formatCode>
+                <c:ptCount val="9"/>
+                <c:pt idx="0">
+                  <c:v>8500</c:v>
+                </c:pt>
+                <c:pt idx="2">
+                  <c:v>600</c:v>
+                </c:pt>
+                <c:pt idx="4">
+                  <c:v>600</c:v>
+                </c:pt>
+                <c:pt idx="6">
+                  <c:v>600</c:v>
+                </c:pt>
+                <c:pt idx="8">
+                  <c:v>600</c:v>
+                </c:pt>
+              </c:numCache>
+            </c:numRef>
+          </c:val>
+          <c:smooth val="0"/>
+        </c:ser>
+        <c:dLbls>
+          <c:showLegendKey val="0"/>
+          <c:showVal val="0"/>
+          <c:showCatName val="0"/>
+          <c:showSerName val="0"/>
+          <c:showPercent val="0"/>
+          <c:showBubbleSize val="0"/>
+        </c:dLbls>
+        <c:marker val="1"/>
+        <c:smooth val="0"/>
+        <c:axId val="177954816"/>
+        <c:axId val="177956352"/>
+      </c:lineChart>
+      <c:catAx>
+        <c:axId val="177954816"/>
+        <c:scaling>
+          <c:orientation val="minMax"/>
+        </c:scaling>
+        <c:delete val="0"/>
+        <c:axPos val="b"/>
+        <c:majorTickMark val="out"/>
+        <c:minorTickMark val="none"/>
+        <c:tickLblPos val="nextTo"/>
+        <c:crossAx val="177956352"/>
+        <c:crosses val="autoZero"/>
+        <c:auto val="1"/>
+        <c:lblAlgn val="ctr"/>
+        <c:lblOffset val="100"/>
+        <c:noMultiLvlLbl val="0"/>
+      </c:catAx>
+      <c:valAx>
+        <c:axId val="177956352"/>
+        <c:scaling>
+          <c:orientation val="minMax"/>
+        </c:scaling>
+        <c:delete val="0"/>
+        <c:axPos val="l"/>
+        <c:majorGridlines/>
+        <c:numFmt formatCode="General" sourceLinked="1"/>
+        <c:majorTickMark val="out"/>
+        <c:minorTickMark val="none"/>
+        <c:tickLblPos val="nextTo"/>
+        <c:crossAx val="177954816"/>
+        <c:crosses val="autoZero"/>
+        <c:crossBetween val="between"/>
+      </c:valAx>
+    </c:plotArea>
+    <c:legend>
+      <c:legendPos val="r"/>
+      <c:layout/>
+      <c:overlay val="0"/>
+    </c:legend>
+    <c:plotVisOnly val="1"/>
+    <c:dispBlanksAs val="zero"/>
+    <c:showDLblsOverMax val="0"/>
+  </c:chart>
+  <c:txPr>
+    <a:bodyPr/>
+    <a:lstStyle/>
+    <a:p>
+      <a:pPr>
+        <a:defRPr sz="1800"/>
+      </a:pPr>
+      <a:endParaRPr lang="en-US"/>
+    </a:p>
+  </c:txPr>
+  <c:externalData r:id="rId1">
+    <c:autoUpdate val="0"/>
+  </c:externalData>
+</c:chartSpace>
 </file>
 
 <file path=ppt/slideLayouts/slideLayout1.xml><?xml version="1.0" encoding="utf-8"?>
@@ -4489,201 +4713,28 @@
           </a:p>
         </p:txBody>
       </p:sp>
-      <p:sp>
-        <p:nvSpPr>
-          <p:cNvPr id="3" name="Content Placeholder 2"/>
-          <p:cNvSpPr>
-            <a:spLocks noGrp="1"/>
-          </p:cNvSpPr>
-          <p:nvPr>
-            <p:ph idx="1"/>
-          </p:nvPr>
-        </p:nvSpPr>
-        <p:spPr>
-          <a:xfrm>
-            <a:off x="4648200" y="1524000"/>
-            <a:ext cx="4114800" cy="4525963"/>
-          </a:xfrm>
-        </p:spPr>
-        <p:txBody>
-          <a:bodyPr/>
-          <a:lstStyle/>
-          <a:p>
-            <a:r>
-              <a:rPr lang="en-US" dirty="0" smtClean="0"/>
-              <a:t>physical</a:t>
-            </a:r>
-            <a:endParaRPr lang="en-US" dirty="0"/>
-          </a:p>
-        </p:txBody>
-      </p:sp>
-      <p:sp>
-        <p:nvSpPr>
-          <p:cNvPr id="4" name="Content Placeholder 2"/>
-          <p:cNvSpPr txBox="1">
-            <a:spLocks/>
-          </p:cNvSpPr>
-          <p:nvPr/>
-        </p:nvSpPr>
-        <p:spPr>
-          <a:xfrm>
-            <a:off x="533400" y="1660478"/>
-            <a:ext cx="4114800" cy="4525963"/>
-          </a:xfrm>
-          <a:prstGeom prst="rect">
-            <a:avLst/>
-          </a:prstGeom>
-        </p:spPr>
-        <p:txBody>
-          <a:bodyPr vert="horz" lIns="91440" tIns="45720" rIns="91440" bIns="45720" rtlCol="0">
-            <a:normAutofit/>
-          </a:bodyPr>
-          <a:lstStyle>
-            <a:lvl1pPr marL="342900" indent="-342900" algn="l" defTabSz="914400" rtl="0" eaLnBrk="1" latinLnBrk="0" hangingPunct="1">
-              <a:spcBef>
-                <a:spcPct val="20000"/>
-              </a:spcBef>
-              <a:buFont typeface="Arial" panose="020B0604020202020204" pitchFamily="34" charset="0"/>
-              <a:buChar char="•"/>
-              <a:defRPr sz="3200" kern="1200">
-                <a:solidFill>
-                  <a:schemeClr val="tx1"/>
-                </a:solidFill>
-                <a:latin typeface="+mn-lt"/>
-                <a:ea typeface="+mn-ea"/>
-                <a:cs typeface="+mn-cs"/>
-              </a:defRPr>
-            </a:lvl1pPr>
-            <a:lvl2pPr marL="742950" indent="-285750" algn="l" defTabSz="914400" rtl="0" eaLnBrk="1" latinLnBrk="0" hangingPunct="1">
-              <a:spcBef>
-                <a:spcPct val="20000"/>
-              </a:spcBef>
-              <a:buFont typeface="Arial" panose="020B0604020202020204" pitchFamily="34" charset="0"/>
-              <a:buChar char="–"/>
-              <a:defRPr sz="2800" kern="1200">
-                <a:solidFill>
-                  <a:schemeClr val="tx1"/>
-                </a:solidFill>
-                <a:latin typeface="+mn-lt"/>
-                <a:ea typeface="+mn-ea"/>
-                <a:cs typeface="+mn-cs"/>
-              </a:defRPr>
-            </a:lvl2pPr>
-            <a:lvl3pPr marL="1143000" indent="-228600" algn="l" defTabSz="914400" rtl="0" eaLnBrk="1" latinLnBrk="0" hangingPunct="1">
-              <a:spcBef>
-                <a:spcPct val="20000"/>
-              </a:spcBef>
-              <a:buFont typeface="Arial" panose="020B0604020202020204" pitchFamily="34" charset="0"/>
-              <a:buChar char="•"/>
-              <a:defRPr sz="2400" kern="1200">
-                <a:solidFill>
-                  <a:schemeClr val="tx1"/>
-                </a:solidFill>
-                <a:latin typeface="+mn-lt"/>
-                <a:ea typeface="+mn-ea"/>
-                <a:cs typeface="+mn-cs"/>
-              </a:defRPr>
-            </a:lvl3pPr>
-            <a:lvl4pPr marL="1600200" indent="-228600" algn="l" defTabSz="914400" rtl="0" eaLnBrk="1" latinLnBrk="0" hangingPunct="1">
-              <a:spcBef>
-                <a:spcPct val="20000"/>
-              </a:spcBef>
-              <a:buFont typeface="Arial" panose="020B0604020202020204" pitchFamily="34" charset="0"/>
-              <a:buChar char="–"/>
-              <a:defRPr sz="2000" kern="1200">
-                <a:solidFill>
-                  <a:schemeClr val="tx1"/>
-                </a:solidFill>
-                <a:latin typeface="+mn-lt"/>
-                <a:ea typeface="+mn-ea"/>
-                <a:cs typeface="+mn-cs"/>
-              </a:defRPr>
-            </a:lvl4pPr>
-            <a:lvl5pPr marL="2057400" indent="-228600" algn="l" defTabSz="914400" rtl="0" eaLnBrk="1" latinLnBrk="0" hangingPunct="1">
-              <a:spcBef>
-                <a:spcPct val="20000"/>
-              </a:spcBef>
-              <a:buFont typeface="Arial" panose="020B0604020202020204" pitchFamily="34" charset="0"/>
-              <a:buChar char="»"/>
-              <a:defRPr sz="2000" kern="1200">
-                <a:solidFill>
-                  <a:schemeClr val="tx1"/>
-                </a:solidFill>
-                <a:latin typeface="+mn-lt"/>
-                <a:ea typeface="+mn-ea"/>
-                <a:cs typeface="+mn-cs"/>
-              </a:defRPr>
-            </a:lvl5pPr>
-            <a:lvl6pPr marL="2514600" indent="-228600" algn="l" defTabSz="914400" rtl="0" eaLnBrk="1" latinLnBrk="0" hangingPunct="1">
-              <a:spcBef>
-                <a:spcPct val="20000"/>
-              </a:spcBef>
-              <a:buFont typeface="Arial" panose="020B0604020202020204" pitchFamily="34" charset="0"/>
-              <a:buChar char="•"/>
-              <a:defRPr sz="2000" kern="1200">
-                <a:solidFill>
-                  <a:schemeClr val="tx1"/>
-                </a:solidFill>
-                <a:latin typeface="+mn-lt"/>
-                <a:ea typeface="+mn-ea"/>
-                <a:cs typeface="+mn-cs"/>
-              </a:defRPr>
-            </a:lvl6pPr>
-            <a:lvl7pPr marL="2971800" indent="-228600" algn="l" defTabSz="914400" rtl="0" eaLnBrk="1" latinLnBrk="0" hangingPunct="1">
-              <a:spcBef>
-                <a:spcPct val="20000"/>
-              </a:spcBef>
-              <a:buFont typeface="Arial" panose="020B0604020202020204" pitchFamily="34" charset="0"/>
-              <a:buChar char="•"/>
-              <a:defRPr sz="2000" kern="1200">
-                <a:solidFill>
-                  <a:schemeClr val="tx1"/>
-                </a:solidFill>
-                <a:latin typeface="+mn-lt"/>
-                <a:ea typeface="+mn-ea"/>
-                <a:cs typeface="+mn-cs"/>
-              </a:defRPr>
-            </a:lvl7pPr>
-            <a:lvl8pPr marL="3429000" indent="-228600" algn="l" defTabSz="914400" rtl="0" eaLnBrk="1" latinLnBrk="0" hangingPunct="1">
-              <a:spcBef>
-                <a:spcPct val="20000"/>
-              </a:spcBef>
-              <a:buFont typeface="Arial" panose="020B0604020202020204" pitchFamily="34" charset="0"/>
-              <a:buChar char="•"/>
-              <a:defRPr sz="2000" kern="1200">
-                <a:solidFill>
-                  <a:schemeClr val="tx1"/>
-                </a:solidFill>
-                <a:latin typeface="+mn-lt"/>
-                <a:ea typeface="+mn-ea"/>
-                <a:cs typeface="+mn-cs"/>
-              </a:defRPr>
-            </a:lvl8pPr>
-            <a:lvl9pPr marL="3886200" indent="-228600" algn="l" defTabSz="914400" rtl="0" eaLnBrk="1" latinLnBrk="0" hangingPunct="1">
-              <a:spcBef>
-                <a:spcPct val="20000"/>
-              </a:spcBef>
-              <a:buFont typeface="Arial" panose="020B0604020202020204" pitchFamily="34" charset="0"/>
-              <a:buChar char="•"/>
-              <a:defRPr sz="2000" kern="1200">
-                <a:solidFill>
-                  <a:schemeClr val="tx1"/>
-                </a:solidFill>
-                <a:latin typeface="+mn-lt"/>
-                <a:ea typeface="+mn-ea"/>
-                <a:cs typeface="+mn-cs"/>
-              </a:defRPr>
-            </a:lvl9pPr>
-          </a:lstStyle>
-          <a:p>
-            <a:r>
-              <a:rPr lang="en-US" dirty="0" smtClean="0"/>
-              <a:t>online</a:t>
-            </a:r>
-            <a:endParaRPr lang="en-US" dirty="0"/>
-          </a:p>
-        </p:txBody>
-      </p:sp>
+      <p:graphicFrame>
+        <p:nvGraphicFramePr>
+          <p:cNvPr id="5" name="Chart 4"/>
+          <p:cNvGraphicFramePr/>
+          <p:nvPr>
+            <p:extLst>
+              <p:ext uri="{D42A27DB-BD31-4B8C-83A1-F6EECF244321}">
+                <p14:modId xmlns:p14="http://schemas.microsoft.com/office/powerpoint/2010/main" val="3340128107"/>
+              </p:ext>
+            </p:extLst>
+          </p:nvPr>
+        </p:nvGraphicFramePr>
+        <p:xfrm>
+          <a:off x="514350" y="2122441"/>
+          <a:ext cx="8324850" cy="4064000"/>
+        </p:xfrm>
+        <a:graphic>
+          <a:graphicData uri="http://schemas.openxmlformats.org/drawingml/2006/chart">
+            <c:chart xmlns:c="http://schemas.openxmlformats.org/drawingml/2006/chart" xmlns:r="http://schemas.openxmlformats.org/officeDocument/2006/relationships" r:id="rId2"/>
+          </a:graphicData>
+        </a:graphic>
+      </p:graphicFrame>
     </p:spTree>
     <p:extLst>
       <p:ext uri="{BB962C8B-B14F-4D97-AF65-F5344CB8AC3E}">
@@ -5166,11 +5217,7 @@
             </a:r>
             <a:r>
               <a:rPr lang="en-US" sz="1800" dirty="0" smtClean="0"/>
-              <a:t>  (</a:t>
-            </a:r>
-            <a:r>
-              <a:rPr lang="en-US" sz="1800" dirty="0" smtClean="0"/>
-              <a:t>Analyst, Designer, Database )</a:t>
+              <a:t>  (Analyst, Designer, Database )</a:t>
             </a:r>
           </a:p>
           <a:p>
